--- a/Tutorial 2 Data and optimisation.pptx
+++ b/Tutorial 2 Data and optimisation.pptx
@@ -13,8 +13,8 @@
   <p:sldIdLst>
     <p:sldId id="256" r:id="rId5"/>
     <p:sldId id="286" r:id="rId6"/>
-    <p:sldId id="287" r:id="rId7"/>
-    <p:sldId id="289" r:id="rId8"/>
+    <p:sldId id="289" r:id="rId7"/>
+    <p:sldId id="290" r:id="rId8"/>
     <p:sldId id="279" r:id="rId9"/>
     <p:sldId id="282" r:id="rId10"/>
     <p:sldId id="283" r:id="rId11"/>
@@ -140,6 +140,89 @@
 </p:presentation>
 </file>
 
+<file path=ppt/revisionInfo.xml><?xml version="1.0" encoding="utf-8"?>
+<p1510:revInfo xmlns:a="http://schemas.openxmlformats.org/drawingml/2006/main" xmlns:r="http://schemas.openxmlformats.org/officeDocument/2006/relationships" xmlns:p1510="http://schemas.microsoft.com/office/powerpoint/2015/10/main">
+  <p1510:revLst>
+    <p1510:client id="{42353EF2-BA2D-4F91-A1F9-10797D30F499}" v="2" dt="2022-02-24T09:39:48.195"/>
+  </p1510:revLst>
+</p1510:revInfo>
+</file>
+
+<file path=ppt/changesInfos/changesInfo1.xml><?xml version="1.0" encoding="utf-8"?>
+<pc:chgInfo xmlns:a="http://schemas.openxmlformats.org/drawingml/2006/main" xmlns:r="http://schemas.openxmlformats.org/officeDocument/2006/relationships" xmlns:ac="http://schemas.microsoft.com/office/drawing/2013/main/command" xmlns:pc="http://schemas.microsoft.com/office/powerpoint/2013/main/command">
+  <pc:docChgLst>
+    <pc:chgData name="Matthew Gerges" userId="e2be48d3-5e8e-45fd-a90a-d7ef081397bd" providerId="ADAL" clId="{42353EF2-BA2D-4F91-A1F9-10797D30F499}"/>
+    <pc:docChg chg="undo custSel addSld delSld modSld">
+      <pc:chgData name="Matthew Gerges" userId="e2be48d3-5e8e-45fd-a90a-d7ef081397bd" providerId="ADAL" clId="{42353EF2-BA2D-4F91-A1F9-10797D30F499}" dt="2022-02-24T09:40:35.407" v="45" actId="1076"/>
+      <pc:docMkLst>
+        <pc:docMk/>
+      </pc:docMkLst>
+      <pc:sldChg chg="modSp add del mod">
+        <pc:chgData name="Matthew Gerges" userId="e2be48d3-5e8e-45fd-a90a-d7ef081397bd" providerId="ADAL" clId="{42353EF2-BA2D-4F91-A1F9-10797D30F499}" dt="2022-02-24T09:39:37.289" v="10" actId="47"/>
+        <pc:sldMkLst>
+          <pc:docMk/>
+          <pc:sldMk cId="2563368679" sldId="287"/>
+        </pc:sldMkLst>
+        <pc:picChg chg="mod">
+          <ac:chgData name="Matthew Gerges" userId="e2be48d3-5e8e-45fd-a90a-d7ef081397bd" providerId="ADAL" clId="{42353EF2-BA2D-4F91-A1F9-10797D30F499}" dt="2022-02-24T09:38:58.884" v="0" actId="1076"/>
+          <ac:picMkLst>
+            <pc:docMk/>
+            <pc:sldMk cId="2563368679" sldId="287"/>
+            <ac:picMk id="7" creationId="{3515FB8D-40B4-4672-82B1-BBEBEB123585}"/>
+          </ac:picMkLst>
+        </pc:picChg>
+      </pc:sldChg>
+      <pc:sldChg chg="addSp delSp modSp mod modNotesTx">
+        <pc:chgData name="Matthew Gerges" userId="e2be48d3-5e8e-45fd-a90a-d7ef081397bd" providerId="ADAL" clId="{42353EF2-BA2D-4F91-A1F9-10797D30F499}" dt="2022-02-24T09:40:35.407" v="45" actId="1076"/>
+        <pc:sldMkLst>
+          <pc:docMk/>
+          <pc:sldMk cId="3928245415" sldId="289"/>
+        </pc:sldMkLst>
+        <pc:spChg chg="del">
+          <ac:chgData name="Matthew Gerges" userId="e2be48d3-5e8e-45fd-a90a-d7ef081397bd" providerId="ADAL" clId="{42353EF2-BA2D-4F91-A1F9-10797D30F499}" dt="2022-02-24T09:39:40.672" v="11" actId="478"/>
+          <ac:spMkLst>
+            <pc:docMk/>
+            <pc:sldMk cId="3928245415" sldId="289"/>
+            <ac:spMk id="2" creationId="{B2719B20-F955-4122-B615-199540781073}"/>
+          </ac:spMkLst>
+        </pc:spChg>
+        <pc:spChg chg="add mod">
+          <ac:chgData name="Matthew Gerges" userId="e2be48d3-5e8e-45fd-a90a-d7ef081397bd" providerId="ADAL" clId="{42353EF2-BA2D-4F91-A1F9-10797D30F499}" dt="2022-02-24T09:40:35.407" v="45" actId="1076"/>
+          <ac:spMkLst>
+            <pc:docMk/>
+            <pc:sldMk cId="3928245415" sldId="289"/>
+            <ac:spMk id="3" creationId="{8F8AFE02-8229-4521-B56D-33ED233CADC3}"/>
+          </ac:spMkLst>
+        </pc:spChg>
+        <pc:picChg chg="del">
+          <ac:chgData name="Matthew Gerges" userId="e2be48d3-5e8e-45fd-a90a-d7ef081397bd" providerId="ADAL" clId="{42353EF2-BA2D-4F91-A1F9-10797D30F499}" dt="2022-02-24T09:39:30.178" v="7" actId="478"/>
+          <ac:picMkLst>
+            <pc:docMk/>
+            <pc:sldMk cId="3928245415" sldId="289"/>
+            <ac:picMk id="4" creationId="{3A93BC52-51F4-4C46-896A-CA107AEAD397}"/>
+          </ac:picMkLst>
+        </pc:picChg>
+        <pc:picChg chg="add mod">
+          <ac:chgData name="Matthew Gerges" userId="e2be48d3-5e8e-45fd-a90a-d7ef081397bd" providerId="ADAL" clId="{42353EF2-BA2D-4F91-A1F9-10797D30F499}" dt="2022-02-24T09:39:31.877" v="9" actId="1035"/>
+          <ac:picMkLst>
+            <pc:docMk/>
+            <pc:sldMk cId="3928245415" sldId="289"/>
+            <ac:picMk id="5" creationId="{482BFFB3-BC8A-4DD6-86B5-5D2C3857FC50}"/>
+          </ac:picMkLst>
+        </pc:picChg>
+      </pc:sldChg>
+      <pc:sldChg chg="add">
+        <pc:chgData name="Matthew Gerges" userId="e2be48d3-5e8e-45fd-a90a-d7ef081397bd" providerId="ADAL" clId="{42353EF2-BA2D-4F91-A1F9-10797D30F499}" dt="2022-02-24T09:39:03.103" v="1" actId="2890"/>
+        <pc:sldMkLst>
+          <pc:docMk/>
+          <pc:sldMk cId="1511635374" sldId="290"/>
+        </pc:sldMkLst>
+      </pc:sldChg>
+    </pc:docChg>
+  </pc:docChgLst>
+</pc:chgInfo>
+</file>
+
 <file path=ppt/handoutMasters/handoutMaster1.xml><?xml version="1.0" encoding="utf-8"?>
 <p:handoutMaster xmlns:a="http://schemas.openxmlformats.org/drawingml/2006/main" xmlns:r="http://schemas.openxmlformats.org/officeDocument/2006/relationships" xmlns:p="http://schemas.openxmlformats.org/presentationml/2006/main">
   <p:cSld>
@@ -222,7 +305,7 @@
           <a:p>
             <a:fld id="{762B48F5-BACC-47D6-A0F7-82FBF9C6BC85}" type="datetimeFigureOut">
               <a:rPr lang="en-US"/>
-              <a:t>2/21/2021</a:t>
+              <a:t>2/24/2022</a:t>
             </a:fld>
             <a:endParaRPr/>
           </a:p>
@@ -387,7 +470,7 @@
           <a:p>
             <a:fld id="{0CB1CD00-5424-4675-AB18-2C419B060449}" type="datetimeFigureOut">
               <a:rPr lang="en-US"/>
-              <a:t>2/21/2021</a:t>
+              <a:t>2/24/2022</a:t>
             </a:fld>
             <a:endParaRPr/>
           </a:p>
@@ -727,7 +810,7 @@
     </p:spTree>
     <p:extLst>
       <p:ext uri="{BB962C8B-B14F-4D97-AF65-F5344CB8AC3E}">
-        <p14:creationId xmlns:p14="http://schemas.microsoft.com/office/powerpoint/2010/main" val="2117292201"/>
+        <p14:creationId xmlns:p14="http://schemas.microsoft.com/office/powerpoint/2010/main" val="2776022257"/>
       </p:ext>
     </p:extLst>
   </p:cSld>
@@ -820,7 +903,7 @@
     </p:spTree>
     <p:extLst>
       <p:ext uri="{BB962C8B-B14F-4D97-AF65-F5344CB8AC3E}">
-        <p14:creationId xmlns:p14="http://schemas.microsoft.com/office/powerpoint/2010/main" val="2776022257"/>
+        <p14:creationId xmlns:p14="http://schemas.microsoft.com/office/powerpoint/2010/main" val="3069509585"/>
       </p:ext>
     </p:extLst>
   </p:cSld>
@@ -1553,7 +1636,7 @@
           <a:p>
             <a:fld id="{37CC0096-1860-4642-9CD2-0079EA5E7CD1}" type="datetimeFigureOut">
               <a:rPr lang="en-US" smtClean="0"/>
-              <a:t>2/21/2021</a:t>
+              <a:t>2/24/2022</a:t>
             </a:fld>
             <a:endParaRPr lang="en-US"/>
           </a:p>
@@ -1732,7 +1815,7 @@
           <a:p>
             <a:fld id="{37CC0096-1860-4642-9CD2-0079EA5E7CD1}" type="datetimeFigureOut">
               <a:rPr lang="en-US" smtClean="0"/>
-              <a:t>2/21/2021</a:t>
+              <a:t>2/24/2022</a:t>
             </a:fld>
             <a:endParaRPr lang="en-US"/>
           </a:p>
@@ -1905,7 +1988,7 @@
           <a:p>
             <a:fld id="{37CC0096-1860-4642-9CD2-0079EA5E7CD1}" type="datetimeFigureOut">
               <a:rPr lang="en-US" smtClean="0"/>
-              <a:t>2/21/2021</a:t>
+              <a:t>2/24/2022</a:t>
             </a:fld>
             <a:endParaRPr lang="en-US"/>
           </a:p>
@@ -2338,7 +2421,7 @@
           <a:p>
             <a:fld id="{37CC0096-1860-4642-9CD2-0079EA5E7CD1}" type="datetimeFigureOut">
               <a:rPr lang="en-US" smtClean="0"/>
-              <a:t>2/21/2021</a:t>
+              <a:t>2/24/2022</a:t>
             </a:fld>
             <a:endParaRPr lang="en-US"/>
           </a:p>
@@ -2777,7 +2860,7 @@
           <a:p>
             <a:fld id="{37CC0096-1860-4642-9CD2-0079EA5E7CD1}" type="datetimeFigureOut">
               <a:rPr lang="en-US" smtClean="0"/>
-              <a:t>2/21/2021</a:t>
+              <a:t>2/24/2022</a:t>
             </a:fld>
             <a:endParaRPr lang="en-US"/>
           </a:p>
@@ -2894,7 +2977,7 @@
           <a:p>
             <a:fld id="{37CC0096-1860-4642-9CD2-0079EA5E7CD1}" type="datetimeFigureOut">
               <a:rPr lang="en-US" smtClean="0"/>
-              <a:t>2/21/2021</a:t>
+              <a:t>2/24/2022</a:t>
             </a:fld>
             <a:endParaRPr lang="en-US"/>
           </a:p>
@@ -2989,7 +3072,7 @@
           <a:p>
             <a:fld id="{37CC0096-1860-4642-9CD2-0079EA5E7CD1}" type="datetimeFigureOut">
               <a:rPr lang="en-US" smtClean="0"/>
-              <a:t>2/21/2021</a:t>
+              <a:t>2/24/2022</a:t>
             </a:fld>
             <a:endParaRPr lang="en-US"/>
           </a:p>
@@ -3273,7 +3356,7 @@
           <a:p>
             <a:fld id="{37CC0096-1860-4642-9CD2-0079EA5E7CD1}" type="datetimeFigureOut">
               <a:rPr lang="en-US" smtClean="0"/>
-              <a:t>2/21/2021</a:t>
+              <a:t>2/24/2022</a:t>
             </a:fld>
             <a:endParaRPr lang="en-US"/>
           </a:p>
@@ -3584,7 +3667,7 @@
           <a:p>
             <a:fld id="{37CC0096-1860-4642-9CD2-0079EA5E7CD1}" type="datetimeFigureOut">
               <a:rPr lang="en-US" smtClean="0"/>
-              <a:t>2/21/2021</a:t>
+              <a:t>2/24/2022</a:t>
             </a:fld>
             <a:endParaRPr lang="en-US"/>
           </a:p>
@@ -3816,7 +3899,7 @@
             <a:fld id="{37CC0096-1860-4642-9CD2-0079EA5E7CD1}" type="datetimeFigureOut">
               <a:rPr lang="en-US" smtClean="0"/>
               <a:pPr/>
-              <a:t>2/21/2021</a:t>
+              <a:t>2/24/2022</a:t>
             </a:fld>
             <a:endParaRPr lang="en-US"/>
           </a:p>
@@ -4686,12 +4769,46 @@
           <a:chExt cx="0" cy="0"/>
         </a:xfrm>
       </p:grpSpPr>
+      <p:sp>
+        <p:nvSpPr>
+          <p:cNvPr id="11" name="Title 1">
+            <a:extLst>
+              <a:ext uri="{FF2B5EF4-FFF2-40B4-BE49-F238E27FC236}">
+                <a16:creationId xmlns:a16="http://schemas.microsoft.com/office/drawing/2014/main" id="{FEB10C96-D1D6-48CC-8598-4E11E137AD69}"/>
+              </a:ext>
+            </a:extLst>
+          </p:cNvPr>
+          <p:cNvSpPr>
+            <a:spLocks noGrp="1"/>
+          </p:cNvSpPr>
+          <p:nvPr>
+            <p:ph type="title"/>
+          </p:nvPr>
+        </p:nvSpPr>
+        <p:spPr>
+          <a:xfrm>
+            <a:off x="1524000" y="476672"/>
+            <a:ext cx="9144000" cy="595536"/>
+          </a:xfrm>
+        </p:spPr>
+        <p:txBody>
+          <a:bodyPr/>
+          <a:lstStyle/>
+          <a:p>
+            <a:r>
+              <a:rPr lang="en-US" dirty="0"/>
+              <a:t>Curve fitting theory</a:t>
+            </a:r>
+            <a:endParaRPr lang="en-AU" dirty="0"/>
+          </a:p>
+        </p:txBody>
+      </p:sp>
       <p:pic>
         <p:nvPicPr>
-          <p:cNvPr id="7" name="Picture 6">
+          <p:cNvPr id="5" name="Picture 4">
             <a:extLst>
               <a:ext uri="{FF2B5EF4-FFF2-40B4-BE49-F238E27FC236}">
-                <a16:creationId xmlns:a16="http://schemas.microsoft.com/office/drawing/2014/main" id="{3515FB8D-40B4-4672-82B1-BBEBEB123585}"/>
+                <a16:creationId xmlns:a16="http://schemas.microsoft.com/office/drawing/2014/main" id="{482BFFB3-BC8A-4DD6-86B5-5D2C3857FC50}"/>
               </a:ext>
             </a:extLst>
           </p:cNvPr>
@@ -4707,7 +4824,7 @@
         </p:blipFill>
         <p:spPr>
           <a:xfrm>
-            <a:off x="2999656" y="1556792"/>
+            <a:off x="695400" y="1412776"/>
             <a:ext cx="5328592" cy="4573082"/>
           </a:xfrm>
           <a:prstGeom prst="rect">
@@ -4717,42 +4834,44 @@
       </p:pic>
       <p:sp>
         <p:nvSpPr>
-          <p:cNvPr id="11" name="Title 1">
+          <p:cNvPr id="3" name="TextBox 2">
             <a:extLst>
               <a:ext uri="{FF2B5EF4-FFF2-40B4-BE49-F238E27FC236}">
-                <a16:creationId xmlns:a16="http://schemas.microsoft.com/office/drawing/2014/main" id="{FEB10C96-D1D6-48CC-8598-4E11E137AD69}"/>
+                <a16:creationId xmlns:a16="http://schemas.microsoft.com/office/drawing/2014/main" id="{8F8AFE02-8229-4521-B56D-33ED233CADC3}"/>
               </a:ext>
             </a:extLst>
           </p:cNvPr>
-          <p:cNvSpPr>
-            <a:spLocks noGrp="1"/>
-          </p:cNvSpPr>
-          <p:nvPr>
-            <p:ph type="title"/>
-          </p:nvPr>
+          <p:cNvSpPr txBox="1"/>
+          <p:nvPr/>
         </p:nvSpPr>
         <p:spPr>
           <a:xfrm>
-            <a:off x="1524000" y="476672"/>
-            <a:ext cx="9144000" cy="595536"/>
+            <a:off x="7464152" y="3284984"/>
+            <a:ext cx="3744416" cy="523220"/>
           </a:xfrm>
+          <a:prstGeom prst="rect">
+            <a:avLst/>
+          </a:prstGeom>
+          <a:noFill/>
         </p:spPr>
         <p:txBody>
-          <a:bodyPr/>
+          <a:bodyPr wrap="square" rtlCol="0">
+            <a:spAutoFit/>
+          </a:bodyPr>
           <a:lstStyle/>
           <a:p>
             <a:r>
-              <a:rPr lang="en-US" dirty="0"/>
-              <a:t>Curve fitting theory</a:t>
-            </a:r>
-            <a:endParaRPr lang="en-AU" dirty="0"/>
+              <a:rPr lang="en-US" sz="2800" dirty="0"/>
+              <a:t>Is this really a best fit?</a:t>
+            </a:r>
+            <a:endParaRPr lang="en-AU" sz="2800" dirty="0"/>
           </a:p>
         </p:txBody>
       </p:sp>
     </p:spTree>
     <p:extLst>
       <p:ext uri="{BB962C8B-B14F-4D97-AF65-F5344CB8AC3E}">
-        <p14:creationId xmlns:p14="http://schemas.microsoft.com/office/powerpoint/2010/main" val="2563368679"/>
+        <p14:creationId xmlns:p14="http://schemas.microsoft.com/office/powerpoint/2010/main" val="3928245415"/>
       </p:ext>
     </p:extLst>
   </p:cSld>
@@ -4872,6 +4991,7 @@
               </a:bodyPr>
               <a:lstStyle/>
               <a:p>
+                <a:pPr/>
                 <a14:m>
                   <m:oMathPara xmlns:m="http://schemas.openxmlformats.org/officeDocument/2006/math">
                     <m:oMathParaPr>
@@ -5039,7 +5159,7 @@
     </p:spTree>
     <p:extLst>
       <p:ext uri="{BB962C8B-B14F-4D97-AF65-F5344CB8AC3E}">
-        <p14:creationId xmlns:p14="http://schemas.microsoft.com/office/powerpoint/2010/main" val="3928245415"/>
+        <p14:creationId xmlns:p14="http://schemas.microsoft.com/office/powerpoint/2010/main" val="1511635374"/>
       </p:ext>
     </p:extLst>
   </p:cSld>
@@ -5857,8 +5977,8 @@
           </a:prstGeom>
         </p:spPr>
       </p:pic>
-      <mc:AlternateContent xmlns:mc="http://schemas.openxmlformats.org/markup-compatibility/2006">
-        <mc:Choice xmlns:a14="http://schemas.microsoft.com/office/drawing/2010/main" Requires="a14">
+      <mc:AlternateContent xmlns:mc="http://schemas.openxmlformats.org/markup-compatibility/2006" xmlns:a14="http://schemas.microsoft.com/office/drawing/2010/main">
+        <mc:Choice Requires="a14">
           <p:sp>
             <p:nvSpPr>
               <p:cNvPr id="5" name="TextBox 4">
@@ -6124,7 +6244,7 @@
             </p:txBody>
           </p:sp>
         </mc:Choice>
-        <mc:Fallback>
+        <mc:Fallback xmlns="">
           <p:sp>
             <p:nvSpPr>
               <p:cNvPr id="5" name="TextBox 4">
@@ -6169,8 +6289,8 @@
           </p:sp>
         </mc:Fallback>
       </mc:AlternateContent>
-      <mc:AlternateContent xmlns:mc="http://schemas.openxmlformats.org/markup-compatibility/2006">
-        <mc:Choice xmlns:a14="http://schemas.microsoft.com/office/drawing/2010/main" Requires="a14">
+      <mc:AlternateContent xmlns:mc="http://schemas.openxmlformats.org/markup-compatibility/2006" xmlns:a14="http://schemas.microsoft.com/office/drawing/2010/main">
+        <mc:Choice Requires="a14">
           <p:sp>
             <p:nvSpPr>
               <p:cNvPr id="7" name="TextBox 6">
@@ -6304,7 +6424,7 @@
             </p:txBody>
           </p:sp>
         </mc:Choice>
-        <mc:Fallback>
+        <mc:Fallback xmlns="">
           <p:sp>
             <p:nvSpPr>
               <p:cNvPr id="7" name="TextBox 6">
@@ -7935,141 +8055,6 @@
 </file>
 
 <file path=customXml/item1.xml><?xml version="1.0" encoding="utf-8"?>
-<?mso-contentType ?>
-<FormTemplates xmlns="http://schemas.microsoft.com/sharepoint/v3/contenttype/forms">
-  <Display>DocumentLibraryForm</Display>
-  <Edit>AssetEditForm</Edit>
-  <New>DocumentLibraryForm</New>
-</FormTemplates>
-</file>
-
-<file path=customXml/item2.xml><?xml version="1.0" encoding="utf-8"?>
-<p:properties xmlns:p="http://schemas.microsoft.com/office/2006/metadata/properties" xmlns:xsi="http://www.w3.org/2001/XMLSchema-instance" xmlns:pc="http://schemas.microsoft.com/office/infopath/2007/PartnerControls">
-  <documentManagement>
-    <DirectSourceMarket xmlns="4873beb7-5857-4685-be1f-d57550cc96cc" xsi:nil="true"/>
-    <ApprovalStatus xmlns="4873beb7-5857-4685-be1f-d57550cc96cc">InProgress</ApprovalStatus>
-    <MarketSpecific xmlns="4873beb7-5857-4685-be1f-d57550cc96cc">false</MarketSpecific>
-    <LocComments xmlns="4873beb7-5857-4685-be1f-d57550cc96cc" xsi:nil="true"/>
-    <ThumbnailAssetId xmlns="4873beb7-5857-4685-be1f-d57550cc96cc" xsi:nil="true"/>
-    <PrimaryImageGen xmlns="4873beb7-5857-4685-be1f-d57550cc96cc">true</PrimaryImageGen>
-    <LegacyData xmlns="4873beb7-5857-4685-be1f-d57550cc96cc" xsi:nil="true"/>
-    <LocRecommendedHandoff xmlns="4873beb7-5857-4685-be1f-d57550cc96cc" xsi:nil="true"/>
-    <BusinessGroup xmlns="4873beb7-5857-4685-be1f-d57550cc96cc" xsi:nil="true"/>
-    <BlockPublish xmlns="4873beb7-5857-4685-be1f-d57550cc96cc">false</BlockPublish>
-    <TPFriendlyName xmlns="4873beb7-5857-4685-be1f-d57550cc96cc" xsi:nil="true"/>
-    <NumericId xmlns="4873beb7-5857-4685-be1f-d57550cc96cc" xsi:nil="true"/>
-    <APEditor xmlns="4873beb7-5857-4685-be1f-d57550cc96cc">
-      <UserInfo>
-        <DisplayName/>
-        <AccountId xsi:nil="true"/>
-        <AccountType/>
-      </UserInfo>
-    </APEditor>
-    <SourceTitle xmlns="4873beb7-5857-4685-be1f-d57550cc96cc" xsi:nil="true"/>
-    <OpenTemplate xmlns="4873beb7-5857-4685-be1f-d57550cc96cc">true</OpenTemplate>
-    <UALocComments xmlns="4873beb7-5857-4685-be1f-d57550cc96cc" xsi:nil="true"/>
-    <ParentAssetId xmlns="4873beb7-5857-4685-be1f-d57550cc96cc" xsi:nil="true"/>
-    <IntlLangReviewDate xmlns="4873beb7-5857-4685-be1f-d57550cc96cc" xsi:nil="true"/>
-    <FeatureTagsTaxHTField0 xmlns="4873beb7-5857-4685-be1f-d57550cc96cc">
-      <Terms xmlns="http://schemas.microsoft.com/office/infopath/2007/PartnerControls"/>
-    </FeatureTagsTaxHTField0>
-    <PublishStatusLookup xmlns="4873beb7-5857-4685-be1f-d57550cc96cc">
-      <Value>1566889</Value>
-    </PublishStatusLookup>
-    <Providers xmlns="4873beb7-5857-4685-be1f-d57550cc96cc" xsi:nil="true"/>
-    <MachineTranslated xmlns="4873beb7-5857-4685-be1f-d57550cc96cc">false</MachineTranslated>
-    <OriginalSourceMarket xmlns="4873beb7-5857-4685-be1f-d57550cc96cc" xsi:nil="true"/>
-    <APDescription xmlns="4873beb7-5857-4685-be1f-d57550cc96cc" xsi:nil="true"/>
-    <ClipArtFilename xmlns="4873beb7-5857-4685-be1f-d57550cc96cc" xsi:nil="true"/>
-    <ContentItem xmlns="4873beb7-5857-4685-be1f-d57550cc96cc" xsi:nil="true"/>
-    <TPInstallLocation xmlns="4873beb7-5857-4685-be1f-d57550cc96cc" xsi:nil="true"/>
-    <PublishTargets xmlns="4873beb7-5857-4685-be1f-d57550cc96cc">OfficeOnlineVNext</PublishTargets>
-    <TimesCloned xmlns="4873beb7-5857-4685-be1f-d57550cc96cc" xsi:nil="true"/>
-    <AssetStart xmlns="4873beb7-5857-4685-be1f-d57550cc96cc">2012-05-23T08:44:00+00:00</AssetStart>
-    <Provider xmlns="4873beb7-5857-4685-be1f-d57550cc96cc" xsi:nil="true"/>
-    <AcquiredFrom xmlns="4873beb7-5857-4685-be1f-d57550cc96cc">Internal MS</AcquiredFrom>
-    <FriendlyTitle xmlns="4873beb7-5857-4685-be1f-d57550cc96cc" xsi:nil="true"/>
-    <LastHandOff xmlns="4873beb7-5857-4685-be1f-d57550cc96cc" xsi:nil="true"/>
-    <TPClientViewer xmlns="4873beb7-5857-4685-be1f-d57550cc96cc" xsi:nil="true"/>
-    <UACurrentWords xmlns="4873beb7-5857-4685-be1f-d57550cc96cc" xsi:nil="true"/>
-    <ArtSampleDocs xmlns="4873beb7-5857-4685-be1f-d57550cc96cc" xsi:nil="true"/>
-    <UALocRecommendation xmlns="4873beb7-5857-4685-be1f-d57550cc96cc">Localize</UALocRecommendation>
-    <Manager xmlns="4873beb7-5857-4685-be1f-d57550cc96cc" xsi:nil="true"/>
-    <ShowIn xmlns="4873beb7-5857-4685-be1f-d57550cc96cc">Show everywhere</ShowIn>
-    <UANotes xmlns="4873beb7-5857-4685-be1f-d57550cc96cc" xsi:nil="true"/>
-    <TemplateStatus xmlns="4873beb7-5857-4685-be1f-d57550cc96cc">Complete</TemplateStatus>
-    <InternalTagsTaxHTField0 xmlns="4873beb7-5857-4685-be1f-d57550cc96cc">
-      <Terms xmlns="http://schemas.microsoft.com/office/infopath/2007/PartnerControls"/>
-    </InternalTagsTaxHTField0>
-    <CSXHash xmlns="4873beb7-5857-4685-be1f-d57550cc96cc" xsi:nil="true"/>
-    <Downloads xmlns="4873beb7-5857-4685-be1f-d57550cc96cc">0</Downloads>
-    <VoteCount xmlns="4873beb7-5857-4685-be1f-d57550cc96cc" xsi:nil="true"/>
-    <OOCacheId xmlns="4873beb7-5857-4685-be1f-d57550cc96cc" xsi:nil="true"/>
-    <IsDeleted xmlns="4873beb7-5857-4685-be1f-d57550cc96cc">false</IsDeleted>
-    <AssetExpire xmlns="4873beb7-5857-4685-be1f-d57550cc96cc">2029-01-01T08:00:00+00:00</AssetExpire>
-    <DSATActionTaken xmlns="4873beb7-5857-4685-be1f-d57550cc96cc" xsi:nil="true"/>
-    <CSXSubmissionMarket xmlns="4873beb7-5857-4685-be1f-d57550cc96cc" xsi:nil="true"/>
-    <TPExecutable xmlns="4873beb7-5857-4685-be1f-d57550cc96cc" xsi:nil="true"/>
-    <SubmitterId xmlns="4873beb7-5857-4685-be1f-d57550cc96cc" xsi:nil="true"/>
-    <EditorialTags xmlns="4873beb7-5857-4685-be1f-d57550cc96cc" xsi:nil="true"/>
-    <ApprovalLog xmlns="4873beb7-5857-4685-be1f-d57550cc96cc" xsi:nil="true"/>
-    <AssetType xmlns="4873beb7-5857-4685-be1f-d57550cc96cc">TP</AssetType>
-    <BugNumber xmlns="4873beb7-5857-4685-be1f-d57550cc96cc" xsi:nil="true"/>
-    <CSXSubmissionDate xmlns="4873beb7-5857-4685-be1f-d57550cc96cc" xsi:nil="true"/>
-    <CSXUpdate xmlns="4873beb7-5857-4685-be1f-d57550cc96cc">false</CSXUpdate>
-    <Milestone xmlns="4873beb7-5857-4685-be1f-d57550cc96cc" xsi:nil="true"/>
-    <RecommendationsModifier xmlns="4873beb7-5857-4685-be1f-d57550cc96cc" xsi:nil="true"/>
-    <OriginAsset xmlns="4873beb7-5857-4685-be1f-d57550cc96cc" xsi:nil="true"/>
-    <TPComponent xmlns="4873beb7-5857-4685-be1f-d57550cc96cc" xsi:nil="true"/>
-    <AssetId xmlns="4873beb7-5857-4685-be1f-d57550cc96cc">TP102901017</AssetId>
-    <IntlLocPriority xmlns="4873beb7-5857-4685-be1f-d57550cc96cc" xsi:nil="true"/>
-    <PolicheckWords xmlns="4873beb7-5857-4685-be1f-d57550cc96cc" xsi:nil="true"/>
-    <TPLaunchHelpLink xmlns="4873beb7-5857-4685-be1f-d57550cc96cc" xsi:nil="true"/>
-    <TPApplication xmlns="4873beb7-5857-4685-be1f-d57550cc96cc" xsi:nil="true"/>
-    <CrawlForDependencies xmlns="4873beb7-5857-4685-be1f-d57550cc96cc">false</CrawlForDependencies>
-    <HandoffToMSDN xmlns="4873beb7-5857-4685-be1f-d57550cc96cc" xsi:nil="true"/>
-    <PlannedPubDate xmlns="4873beb7-5857-4685-be1f-d57550cc96cc" xsi:nil="true"/>
-    <IntlLangReviewer xmlns="4873beb7-5857-4685-be1f-d57550cc96cc" xsi:nil="true"/>
-    <TrustLevel xmlns="4873beb7-5857-4685-be1f-d57550cc96cc">1 Microsoft Managed Content</TrustLevel>
-    <LocLastLocAttemptVersionLookup xmlns="4873beb7-5857-4685-be1f-d57550cc96cc">836753</LocLastLocAttemptVersionLookup>
-    <IsSearchable xmlns="4873beb7-5857-4685-be1f-d57550cc96cc">true</IsSearchable>
-    <TemplateTemplateType xmlns="4873beb7-5857-4685-be1f-d57550cc96cc">PowerPoint Design Template</TemplateTemplateType>
-    <CampaignTagsTaxHTField0 xmlns="4873beb7-5857-4685-be1f-d57550cc96cc">
-      <Terms xmlns="http://schemas.microsoft.com/office/infopath/2007/PartnerControls"/>
-    </CampaignTagsTaxHTField0>
-    <TPNamespace xmlns="4873beb7-5857-4685-be1f-d57550cc96cc" xsi:nil="true"/>
-    <TaxCatchAll xmlns="4873beb7-5857-4685-be1f-d57550cc96cc"/>
-    <Markets xmlns="4873beb7-5857-4685-be1f-d57550cc96cc"/>
-    <UAProjectedTotalWords xmlns="4873beb7-5857-4685-be1f-d57550cc96cc" xsi:nil="true"/>
-    <IntlLangReview xmlns="4873beb7-5857-4685-be1f-d57550cc96cc">false</IntlLangReview>
-    <OutputCachingOn xmlns="4873beb7-5857-4685-be1f-d57550cc96cc">false</OutputCachingOn>
-    <AverageRating xmlns="4873beb7-5857-4685-be1f-d57550cc96cc" xsi:nil="true"/>
-    <APAuthor xmlns="4873beb7-5857-4685-be1f-d57550cc96cc">
-      <UserInfo>
-        <DisplayName>REDMOND\v-anij</DisplayName>
-        <AccountId>2469</AccountId>
-        <AccountType/>
-      </UserInfo>
-    </APAuthor>
-    <LocManualTestRequired xmlns="4873beb7-5857-4685-be1f-d57550cc96cc">false</LocManualTestRequired>
-    <TPCommandLine xmlns="4873beb7-5857-4685-be1f-d57550cc96cc" xsi:nil="true"/>
-    <TPAppVersion xmlns="4873beb7-5857-4685-be1f-d57550cc96cc" xsi:nil="true"/>
-    <EditorialStatus xmlns="4873beb7-5857-4685-be1f-d57550cc96cc">Complete</EditorialStatus>
-    <LastModifiedDateTime xmlns="4873beb7-5857-4685-be1f-d57550cc96cc" xsi:nil="true"/>
-    <ScenarioTagsTaxHTField0 xmlns="4873beb7-5857-4685-be1f-d57550cc96cc">
-      <Terms xmlns="http://schemas.microsoft.com/office/infopath/2007/PartnerControls"/>
-    </ScenarioTagsTaxHTField0>
-    <OriginalRelease xmlns="4873beb7-5857-4685-be1f-d57550cc96cc">15</OriginalRelease>
-    <TPLaunchHelpLinkType xmlns="4873beb7-5857-4685-be1f-d57550cc96cc">Template</TPLaunchHelpLinkType>
-    <LocalizationTagsTaxHTField0 xmlns="4873beb7-5857-4685-be1f-d57550cc96cc">
-      <Terms xmlns="http://schemas.microsoft.com/office/infopath/2007/PartnerControls"/>
-    </LocalizationTagsTaxHTField0>
-    <LocMarketGroupTiers2 xmlns="4873beb7-5857-4685-be1f-d57550cc96cc" xsi:nil="true"/>
-  </documentManagement>
-</p:properties>
-</file>
-
-<file path=customXml/item3.xml><?xml version="1.0" encoding="utf-8"?>
 <ct:contentTypeSchema xmlns:ct="http://schemas.microsoft.com/office/2006/metadata/contentType" xmlns:ma="http://schemas.microsoft.com/office/2006/metadata/properties/metaAttributes" ct:_="" ma:_="" ma:contentTypeName="TemplateFile" ma:contentTypeID="0x0101006EDDDB5EE6D98C44930B742096920B300400F5B6D36B3EF94B4E9A635CDF2A18F5B8" ma:contentTypeVersion="72" ma:contentTypeDescription="Create a new document." ma:contentTypeScope="" ma:versionID="a23e56308344d904b51738559c3d67c9">
   <xsd:schema xmlns:xsd="http://www.w3.org/2001/XMLSchema" xmlns:xs="http://www.w3.org/2001/XMLSchema" xmlns:p="http://schemas.microsoft.com/office/2006/metadata/properties" xmlns:ns2="4873beb7-5857-4685-be1f-d57550cc96cc" targetNamespace="http://schemas.microsoft.com/office/2006/metadata/properties" ma:root="true" ma:fieldsID="cd0908cc4600e77bf5da051303e00c8d" ns2:_="">
     <xsd:import namespace="4873beb7-5857-4685-be1f-d57550cc96cc"/>
@@ -9109,10 +9094,155 @@
 </ct:contentTypeSchema>
 </file>
 
+<file path=customXml/item2.xml><?xml version="1.0" encoding="utf-8"?>
+<p:properties xmlns:p="http://schemas.microsoft.com/office/2006/metadata/properties" xmlns:xsi="http://www.w3.org/2001/XMLSchema-instance" xmlns:pc="http://schemas.microsoft.com/office/infopath/2007/PartnerControls">
+  <documentManagement>
+    <DirectSourceMarket xmlns="4873beb7-5857-4685-be1f-d57550cc96cc" xsi:nil="true"/>
+    <ApprovalStatus xmlns="4873beb7-5857-4685-be1f-d57550cc96cc">InProgress</ApprovalStatus>
+    <MarketSpecific xmlns="4873beb7-5857-4685-be1f-d57550cc96cc">false</MarketSpecific>
+    <LocComments xmlns="4873beb7-5857-4685-be1f-d57550cc96cc" xsi:nil="true"/>
+    <ThumbnailAssetId xmlns="4873beb7-5857-4685-be1f-d57550cc96cc" xsi:nil="true"/>
+    <PrimaryImageGen xmlns="4873beb7-5857-4685-be1f-d57550cc96cc">true</PrimaryImageGen>
+    <LegacyData xmlns="4873beb7-5857-4685-be1f-d57550cc96cc" xsi:nil="true"/>
+    <LocRecommendedHandoff xmlns="4873beb7-5857-4685-be1f-d57550cc96cc" xsi:nil="true"/>
+    <BusinessGroup xmlns="4873beb7-5857-4685-be1f-d57550cc96cc" xsi:nil="true"/>
+    <BlockPublish xmlns="4873beb7-5857-4685-be1f-d57550cc96cc">false</BlockPublish>
+    <TPFriendlyName xmlns="4873beb7-5857-4685-be1f-d57550cc96cc" xsi:nil="true"/>
+    <NumericId xmlns="4873beb7-5857-4685-be1f-d57550cc96cc" xsi:nil="true"/>
+    <APEditor xmlns="4873beb7-5857-4685-be1f-d57550cc96cc">
+      <UserInfo>
+        <DisplayName/>
+        <AccountId xsi:nil="true"/>
+        <AccountType/>
+      </UserInfo>
+    </APEditor>
+    <SourceTitle xmlns="4873beb7-5857-4685-be1f-d57550cc96cc" xsi:nil="true"/>
+    <OpenTemplate xmlns="4873beb7-5857-4685-be1f-d57550cc96cc">true</OpenTemplate>
+    <UALocComments xmlns="4873beb7-5857-4685-be1f-d57550cc96cc" xsi:nil="true"/>
+    <ParentAssetId xmlns="4873beb7-5857-4685-be1f-d57550cc96cc" xsi:nil="true"/>
+    <IntlLangReviewDate xmlns="4873beb7-5857-4685-be1f-d57550cc96cc" xsi:nil="true"/>
+    <FeatureTagsTaxHTField0 xmlns="4873beb7-5857-4685-be1f-d57550cc96cc">
+      <Terms xmlns="http://schemas.microsoft.com/office/infopath/2007/PartnerControls"/>
+    </FeatureTagsTaxHTField0>
+    <PublishStatusLookup xmlns="4873beb7-5857-4685-be1f-d57550cc96cc">
+      <Value>1566889</Value>
+    </PublishStatusLookup>
+    <Providers xmlns="4873beb7-5857-4685-be1f-d57550cc96cc" xsi:nil="true"/>
+    <MachineTranslated xmlns="4873beb7-5857-4685-be1f-d57550cc96cc">false</MachineTranslated>
+    <OriginalSourceMarket xmlns="4873beb7-5857-4685-be1f-d57550cc96cc" xsi:nil="true"/>
+    <APDescription xmlns="4873beb7-5857-4685-be1f-d57550cc96cc" xsi:nil="true"/>
+    <ClipArtFilename xmlns="4873beb7-5857-4685-be1f-d57550cc96cc" xsi:nil="true"/>
+    <ContentItem xmlns="4873beb7-5857-4685-be1f-d57550cc96cc" xsi:nil="true"/>
+    <TPInstallLocation xmlns="4873beb7-5857-4685-be1f-d57550cc96cc" xsi:nil="true"/>
+    <PublishTargets xmlns="4873beb7-5857-4685-be1f-d57550cc96cc">OfficeOnlineVNext</PublishTargets>
+    <TimesCloned xmlns="4873beb7-5857-4685-be1f-d57550cc96cc" xsi:nil="true"/>
+    <AssetStart xmlns="4873beb7-5857-4685-be1f-d57550cc96cc">2012-05-23T08:44:00+00:00</AssetStart>
+    <Provider xmlns="4873beb7-5857-4685-be1f-d57550cc96cc" xsi:nil="true"/>
+    <AcquiredFrom xmlns="4873beb7-5857-4685-be1f-d57550cc96cc">Internal MS</AcquiredFrom>
+    <FriendlyTitle xmlns="4873beb7-5857-4685-be1f-d57550cc96cc" xsi:nil="true"/>
+    <LastHandOff xmlns="4873beb7-5857-4685-be1f-d57550cc96cc" xsi:nil="true"/>
+    <TPClientViewer xmlns="4873beb7-5857-4685-be1f-d57550cc96cc" xsi:nil="true"/>
+    <UACurrentWords xmlns="4873beb7-5857-4685-be1f-d57550cc96cc" xsi:nil="true"/>
+    <ArtSampleDocs xmlns="4873beb7-5857-4685-be1f-d57550cc96cc" xsi:nil="true"/>
+    <UALocRecommendation xmlns="4873beb7-5857-4685-be1f-d57550cc96cc">Localize</UALocRecommendation>
+    <Manager xmlns="4873beb7-5857-4685-be1f-d57550cc96cc" xsi:nil="true"/>
+    <ShowIn xmlns="4873beb7-5857-4685-be1f-d57550cc96cc">Show everywhere</ShowIn>
+    <UANotes xmlns="4873beb7-5857-4685-be1f-d57550cc96cc" xsi:nil="true"/>
+    <TemplateStatus xmlns="4873beb7-5857-4685-be1f-d57550cc96cc">Complete</TemplateStatus>
+    <InternalTagsTaxHTField0 xmlns="4873beb7-5857-4685-be1f-d57550cc96cc">
+      <Terms xmlns="http://schemas.microsoft.com/office/infopath/2007/PartnerControls"/>
+    </InternalTagsTaxHTField0>
+    <CSXHash xmlns="4873beb7-5857-4685-be1f-d57550cc96cc" xsi:nil="true"/>
+    <Downloads xmlns="4873beb7-5857-4685-be1f-d57550cc96cc">0</Downloads>
+    <VoteCount xmlns="4873beb7-5857-4685-be1f-d57550cc96cc" xsi:nil="true"/>
+    <OOCacheId xmlns="4873beb7-5857-4685-be1f-d57550cc96cc" xsi:nil="true"/>
+    <IsDeleted xmlns="4873beb7-5857-4685-be1f-d57550cc96cc">false</IsDeleted>
+    <AssetExpire xmlns="4873beb7-5857-4685-be1f-d57550cc96cc">2029-01-01T08:00:00+00:00</AssetExpire>
+    <DSATActionTaken xmlns="4873beb7-5857-4685-be1f-d57550cc96cc" xsi:nil="true"/>
+    <CSXSubmissionMarket xmlns="4873beb7-5857-4685-be1f-d57550cc96cc" xsi:nil="true"/>
+    <TPExecutable xmlns="4873beb7-5857-4685-be1f-d57550cc96cc" xsi:nil="true"/>
+    <SubmitterId xmlns="4873beb7-5857-4685-be1f-d57550cc96cc" xsi:nil="true"/>
+    <EditorialTags xmlns="4873beb7-5857-4685-be1f-d57550cc96cc" xsi:nil="true"/>
+    <ApprovalLog xmlns="4873beb7-5857-4685-be1f-d57550cc96cc" xsi:nil="true"/>
+    <AssetType xmlns="4873beb7-5857-4685-be1f-d57550cc96cc">TP</AssetType>
+    <BugNumber xmlns="4873beb7-5857-4685-be1f-d57550cc96cc" xsi:nil="true"/>
+    <CSXSubmissionDate xmlns="4873beb7-5857-4685-be1f-d57550cc96cc" xsi:nil="true"/>
+    <CSXUpdate xmlns="4873beb7-5857-4685-be1f-d57550cc96cc">false</CSXUpdate>
+    <Milestone xmlns="4873beb7-5857-4685-be1f-d57550cc96cc" xsi:nil="true"/>
+    <RecommendationsModifier xmlns="4873beb7-5857-4685-be1f-d57550cc96cc" xsi:nil="true"/>
+    <OriginAsset xmlns="4873beb7-5857-4685-be1f-d57550cc96cc" xsi:nil="true"/>
+    <TPComponent xmlns="4873beb7-5857-4685-be1f-d57550cc96cc" xsi:nil="true"/>
+    <AssetId xmlns="4873beb7-5857-4685-be1f-d57550cc96cc">TP102901017</AssetId>
+    <IntlLocPriority xmlns="4873beb7-5857-4685-be1f-d57550cc96cc" xsi:nil="true"/>
+    <PolicheckWords xmlns="4873beb7-5857-4685-be1f-d57550cc96cc" xsi:nil="true"/>
+    <TPLaunchHelpLink xmlns="4873beb7-5857-4685-be1f-d57550cc96cc" xsi:nil="true"/>
+    <TPApplication xmlns="4873beb7-5857-4685-be1f-d57550cc96cc" xsi:nil="true"/>
+    <CrawlForDependencies xmlns="4873beb7-5857-4685-be1f-d57550cc96cc">false</CrawlForDependencies>
+    <HandoffToMSDN xmlns="4873beb7-5857-4685-be1f-d57550cc96cc" xsi:nil="true"/>
+    <PlannedPubDate xmlns="4873beb7-5857-4685-be1f-d57550cc96cc" xsi:nil="true"/>
+    <IntlLangReviewer xmlns="4873beb7-5857-4685-be1f-d57550cc96cc" xsi:nil="true"/>
+    <TrustLevel xmlns="4873beb7-5857-4685-be1f-d57550cc96cc">1 Microsoft Managed Content</TrustLevel>
+    <LocLastLocAttemptVersionLookup xmlns="4873beb7-5857-4685-be1f-d57550cc96cc">836753</LocLastLocAttemptVersionLookup>
+    <IsSearchable xmlns="4873beb7-5857-4685-be1f-d57550cc96cc">true</IsSearchable>
+    <TemplateTemplateType xmlns="4873beb7-5857-4685-be1f-d57550cc96cc">PowerPoint Design Template</TemplateTemplateType>
+    <CampaignTagsTaxHTField0 xmlns="4873beb7-5857-4685-be1f-d57550cc96cc">
+      <Terms xmlns="http://schemas.microsoft.com/office/infopath/2007/PartnerControls"/>
+    </CampaignTagsTaxHTField0>
+    <TPNamespace xmlns="4873beb7-5857-4685-be1f-d57550cc96cc" xsi:nil="true"/>
+    <TaxCatchAll xmlns="4873beb7-5857-4685-be1f-d57550cc96cc"/>
+    <Markets xmlns="4873beb7-5857-4685-be1f-d57550cc96cc"/>
+    <UAProjectedTotalWords xmlns="4873beb7-5857-4685-be1f-d57550cc96cc" xsi:nil="true"/>
+    <IntlLangReview xmlns="4873beb7-5857-4685-be1f-d57550cc96cc">false</IntlLangReview>
+    <OutputCachingOn xmlns="4873beb7-5857-4685-be1f-d57550cc96cc">false</OutputCachingOn>
+    <AverageRating xmlns="4873beb7-5857-4685-be1f-d57550cc96cc" xsi:nil="true"/>
+    <APAuthor xmlns="4873beb7-5857-4685-be1f-d57550cc96cc">
+      <UserInfo>
+        <DisplayName>REDMOND\v-anij</DisplayName>
+        <AccountId>2469</AccountId>
+        <AccountType/>
+      </UserInfo>
+    </APAuthor>
+    <LocManualTestRequired xmlns="4873beb7-5857-4685-be1f-d57550cc96cc">false</LocManualTestRequired>
+    <TPCommandLine xmlns="4873beb7-5857-4685-be1f-d57550cc96cc" xsi:nil="true"/>
+    <TPAppVersion xmlns="4873beb7-5857-4685-be1f-d57550cc96cc" xsi:nil="true"/>
+    <EditorialStatus xmlns="4873beb7-5857-4685-be1f-d57550cc96cc">Complete</EditorialStatus>
+    <LastModifiedDateTime xmlns="4873beb7-5857-4685-be1f-d57550cc96cc" xsi:nil="true"/>
+    <ScenarioTagsTaxHTField0 xmlns="4873beb7-5857-4685-be1f-d57550cc96cc">
+      <Terms xmlns="http://schemas.microsoft.com/office/infopath/2007/PartnerControls"/>
+    </ScenarioTagsTaxHTField0>
+    <OriginalRelease xmlns="4873beb7-5857-4685-be1f-d57550cc96cc">15</OriginalRelease>
+    <TPLaunchHelpLinkType xmlns="4873beb7-5857-4685-be1f-d57550cc96cc">Template</TPLaunchHelpLinkType>
+    <LocalizationTagsTaxHTField0 xmlns="4873beb7-5857-4685-be1f-d57550cc96cc">
+      <Terms xmlns="http://schemas.microsoft.com/office/infopath/2007/PartnerControls"/>
+    </LocalizationTagsTaxHTField0>
+    <LocMarketGroupTiers2 xmlns="4873beb7-5857-4685-be1f-d57550cc96cc" xsi:nil="true"/>
+  </documentManagement>
+</p:properties>
+</file>
+
+<file path=customXml/item3.xml><?xml version="1.0" encoding="utf-8"?>
+<?mso-contentType ?>
+<FormTemplates xmlns="http://schemas.microsoft.com/sharepoint/v3/contenttype/forms">
+  <Display>DocumentLibraryForm</Display>
+  <Edit>AssetEditForm</Edit>
+  <New>DocumentLibraryForm</New>
+</FormTemplates>
+</file>
+
 <file path=customXml/itemProps1.xml><?xml version="1.0" encoding="utf-8"?>
-<ds:datastoreItem xmlns:ds="http://schemas.openxmlformats.org/officeDocument/2006/customXml" ds:itemID="{746CFF6F-D9AA-4BC0-911A-0A1356771912}">
+<ds:datastoreItem xmlns:ds="http://schemas.openxmlformats.org/officeDocument/2006/customXml" ds:itemID="{0B5C6E15-39DC-470B-9445-F754B9458020}">
   <ds:schemaRefs>
-    <ds:schemaRef ds:uri="http://schemas.microsoft.com/sharepoint/v3/contenttype/forms"/>
+    <ds:schemaRef ds:uri="http://schemas.microsoft.com/office/2006/metadata/contentType"/>
+    <ds:schemaRef ds:uri="http://schemas.microsoft.com/office/2006/metadata/properties/metaAttributes"/>
+    <ds:schemaRef ds:uri="http://www.w3.org/2001/XMLSchema"/>
+    <ds:schemaRef ds:uri="http://schemas.microsoft.com/office/2006/metadata/properties"/>
+    <ds:schemaRef ds:uri="4873beb7-5857-4685-be1f-d57550cc96cc"/>
+    <ds:schemaRef ds:uri="http://schemas.microsoft.com/office/2006/documentManagement/types"/>
+    <ds:schemaRef ds:uri="http://schemas.microsoft.com/office/infopath/2007/PartnerControls"/>
+    <ds:schemaRef ds:uri="http://schemas.openxmlformats.org/package/2006/metadata/core-properties"/>
+    <ds:schemaRef ds:uri="http://purl.org/dc/elements/1.1/"/>
+    <ds:schemaRef ds:uri="http://purl.org/dc/terms/"/>
+    <ds:schemaRef ds:uri="http://schemas.microsoft.com/internal/obd"/>
   </ds:schemaRefs>
 </ds:datastoreItem>
 </file>
@@ -9134,19 +9264,9 @@
 </file>
 
 <file path=customXml/itemProps3.xml><?xml version="1.0" encoding="utf-8"?>
-<ds:datastoreItem xmlns:ds="http://schemas.openxmlformats.org/officeDocument/2006/customXml" ds:itemID="{0B5C6E15-39DC-470B-9445-F754B9458020}">
+<ds:datastoreItem xmlns:ds="http://schemas.openxmlformats.org/officeDocument/2006/customXml" ds:itemID="{746CFF6F-D9AA-4BC0-911A-0A1356771912}">
   <ds:schemaRefs>
-    <ds:schemaRef ds:uri="http://schemas.microsoft.com/office/2006/metadata/contentType"/>
-    <ds:schemaRef ds:uri="http://schemas.microsoft.com/office/2006/metadata/properties/metaAttributes"/>
-    <ds:schemaRef ds:uri="http://www.w3.org/2001/XMLSchema"/>
-    <ds:schemaRef ds:uri="http://schemas.microsoft.com/office/2006/metadata/properties"/>
-    <ds:schemaRef ds:uri="4873beb7-5857-4685-be1f-d57550cc96cc"/>
-    <ds:schemaRef ds:uri="http://schemas.microsoft.com/office/2006/documentManagement/types"/>
-    <ds:schemaRef ds:uri="http://schemas.microsoft.com/office/infopath/2007/PartnerControls"/>
-    <ds:schemaRef ds:uri="http://schemas.openxmlformats.org/package/2006/metadata/core-properties"/>
-    <ds:schemaRef ds:uri="http://purl.org/dc/elements/1.1/"/>
-    <ds:schemaRef ds:uri="http://purl.org/dc/terms/"/>
-    <ds:schemaRef ds:uri="http://schemas.microsoft.com/internal/obd"/>
+    <ds:schemaRef ds:uri="http://schemas.microsoft.com/sharepoint/v3/contenttype/forms"/>
   </ds:schemaRefs>
 </ds:datastoreItem>
 </file>
--- a/Tutorial 2 Data and optimisation.pptx
+++ b/Tutorial 2 Data and optimisation.pptx
@@ -305,7 +305,7 @@
           <a:p>
             <a:fld id="{762B48F5-BACC-47D6-A0F7-82FBF9C6BC85}" type="datetimeFigureOut">
               <a:rPr lang="en-US"/>
-              <a:t>2/24/2022</a:t>
+              <a:t>2/25/2022</a:t>
             </a:fld>
             <a:endParaRPr/>
           </a:p>
@@ -470,7 +470,7 @@
           <a:p>
             <a:fld id="{0CB1CD00-5424-4675-AB18-2C419B060449}" type="datetimeFigureOut">
               <a:rPr lang="en-US"/>
-              <a:t>2/24/2022</a:t>
+              <a:t>2/25/2022</a:t>
             </a:fld>
             <a:endParaRPr/>
           </a:p>
@@ -1636,7 +1636,7 @@
           <a:p>
             <a:fld id="{37CC0096-1860-4642-9CD2-0079EA5E7CD1}" type="datetimeFigureOut">
               <a:rPr lang="en-US" smtClean="0"/>
-              <a:t>2/24/2022</a:t>
+              <a:t>2/25/2022</a:t>
             </a:fld>
             <a:endParaRPr lang="en-US"/>
           </a:p>
@@ -1815,7 +1815,7 @@
           <a:p>
             <a:fld id="{37CC0096-1860-4642-9CD2-0079EA5E7CD1}" type="datetimeFigureOut">
               <a:rPr lang="en-US" smtClean="0"/>
-              <a:t>2/24/2022</a:t>
+              <a:t>2/25/2022</a:t>
             </a:fld>
             <a:endParaRPr lang="en-US"/>
           </a:p>
@@ -1988,7 +1988,7 @@
           <a:p>
             <a:fld id="{37CC0096-1860-4642-9CD2-0079EA5E7CD1}" type="datetimeFigureOut">
               <a:rPr lang="en-US" smtClean="0"/>
-              <a:t>2/24/2022</a:t>
+              <a:t>2/25/2022</a:t>
             </a:fld>
             <a:endParaRPr lang="en-US"/>
           </a:p>
@@ -2421,7 +2421,7 @@
           <a:p>
             <a:fld id="{37CC0096-1860-4642-9CD2-0079EA5E7CD1}" type="datetimeFigureOut">
               <a:rPr lang="en-US" smtClean="0"/>
-              <a:t>2/24/2022</a:t>
+              <a:t>2/25/2022</a:t>
             </a:fld>
             <a:endParaRPr lang="en-US"/>
           </a:p>
@@ -2860,7 +2860,7 @@
           <a:p>
             <a:fld id="{37CC0096-1860-4642-9CD2-0079EA5E7CD1}" type="datetimeFigureOut">
               <a:rPr lang="en-US" smtClean="0"/>
-              <a:t>2/24/2022</a:t>
+              <a:t>2/25/2022</a:t>
             </a:fld>
             <a:endParaRPr lang="en-US"/>
           </a:p>
@@ -2977,7 +2977,7 @@
           <a:p>
             <a:fld id="{37CC0096-1860-4642-9CD2-0079EA5E7CD1}" type="datetimeFigureOut">
               <a:rPr lang="en-US" smtClean="0"/>
-              <a:t>2/24/2022</a:t>
+              <a:t>2/25/2022</a:t>
             </a:fld>
             <a:endParaRPr lang="en-US"/>
           </a:p>
@@ -3072,7 +3072,7 @@
           <a:p>
             <a:fld id="{37CC0096-1860-4642-9CD2-0079EA5E7CD1}" type="datetimeFigureOut">
               <a:rPr lang="en-US" smtClean="0"/>
-              <a:t>2/24/2022</a:t>
+              <a:t>2/25/2022</a:t>
             </a:fld>
             <a:endParaRPr lang="en-US"/>
           </a:p>
@@ -3356,7 +3356,7 @@
           <a:p>
             <a:fld id="{37CC0096-1860-4642-9CD2-0079EA5E7CD1}" type="datetimeFigureOut">
               <a:rPr lang="en-US" smtClean="0"/>
-              <a:t>2/24/2022</a:t>
+              <a:t>2/25/2022</a:t>
             </a:fld>
             <a:endParaRPr lang="en-US"/>
           </a:p>
@@ -3667,7 +3667,7 @@
           <a:p>
             <a:fld id="{37CC0096-1860-4642-9CD2-0079EA5E7CD1}" type="datetimeFigureOut">
               <a:rPr lang="en-US" smtClean="0"/>
-              <a:t>2/24/2022</a:t>
+              <a:t>2/25/2022</a:t>
             </a:fld>
             <a:endParaRPr lang="en-US"/>
           </a:p>
@@ -3899,7 +3899,7 @@
             <a:fld id="{37CC0096-1860-4642-9CD2-0079EA5E7CD1}" type="datetimeFigureOut">
               <a:rPr lang="en-US" smtClean="0"/>
               <a:pPr/>
-              <a:t>2/24/2022</a:t>
+              <a:t>2/25/2022</a:t>
             </a:fld>
             <a:endParaRPr lang="en-US"/>
           </a:p>
@@ -4961,8 +4961,8 @@
           </a:prstGeom>
         </p:spPr>
       </p:pic>
-      <mc:AlternateContent xmlns:mc="http://schemas.openxmlformats.org/markup-compatibility/2006">
-        <mc:Choice xmlns:a14="http://schemas.microsoft.com/office/drawing/2010/main" Requires="a14">
+      <mc:AlternateContent xmlns:mc="http://schemas.openxmlformats.org/markup-compatibility/2006" xmlns:a14="http://schemas.microsoft.com/office/drawing/2010/main">
+        <mc:Choice Requires="a14">
           <p:sp>
             <p:nvSpPr>
               <p:cNvPr id="2" name="TextBox 1">
@@ -5111,7 +5111,7 @@
             </p:txBody>
           </p:sp>
         </mc:Choice>
-        <mc:Fallback>
+        <mc:Fallback xmlns="">
           <p:sp>
             <p:nvSpPr>
               <p:cNvPr id="2" name="TextBox 1">
@@ -8055,6 +8055,132 @@
 </file>
 
 <file path=customXml/item1.xml><?xml version="1.0" encoding="utf-8"?>
+<p:properties xmlns:p="http://schemas.microsoft.com/office/2006/metadata/properties" xmlns:xsi="http://www.w3.org/2001/XMLSchema-instance" xmlns:pc="http://schemas.microsoft.com/office/infopath/2007/PartnerControls">
+  <documentManagement>
+    <DirectSourceMarket xmlns="4873beb7-5857-4685-be1f-d57550cc96cc" xsi:nil="true"/>
+    <ApprovalStatus xmlns="4873beb7-5857-4685-be1f-d57550cc96cc">InProgress</ApprovalStatus>
+    <MarketSpecific xmlns="4873beb7-5857-4685-be1f-d57550cc96cc">false</MarketSpecific>
+    <LocComments xmlns="4873beb7-5857-4685-be1f-d57550cc96cc" xsi:nil="true"/>
+    <ThumbnailAssetId xmlns="4873beb7-5857-4685-be1f-d57550cc96cc" xsi:nil="true"/>
+    <PrimaryImageGen xmlns="4873beb7-5857-4685-be1f-d57550cc96cc">true</PrimaryImageGen>
+    <LegacyData xmlns="4873beb7-5857-4685-be1f-d57550cc96cc" xsi:nil="true"/>
+    <LocRecommendedHandoff xmlns="4873beb7-5857-4685-be1f-d57550cc96cc" xsi:nil="true"/>
+    <BusinessGroup xmlns="4873beb7-5857-4685-be1f-d57550cc96cc" xsi:nil="true"/>
+    <BlockPublish xmlns="4873beb7-5857-4685-be1f-d57550cc96cc">false</BlockPublish>
+    <TPFriendlyName xmlns="4873beb7-5857-4685-be1f-d57550cc96cc" xsi:nil="true"/>
+    <NumericId xmlns="4873beb7-5857-4685-be1f-d57550cc96cc" xsi:nil="true"/>
+    <APEditor xmlns="4873beb7-5857-4685-be1f-d57550cc96cc">
+      <UserInfo>
+        <DisplayName/>
+        <AccountId xsi:nil="true"/>
+        <AccountType/>
+      </UserInfo>
+    </APEditor>
+    <SourceTitle xmlns="4873beb7-5857-4685-be1f-d57550cc96cc" xsi:nil="true"/>
+    <OpenTemplate xmlns="4873beb7-5857-4685-be1f-d57550cc96cc">true</OpenTemplate>
+    <UALocComments xmlns="4873beb7-5857-4685-be1f-d57550cc96cc" xsi:nil="true"/>
+    <ParentAssetId xmlns="4873beb7-5857-4685-be1f-d57550cc96cc" xsi:nil="true"/>
+    <IntlLangReviewDate xmlns="4873beb7-5857-4685-be1f-d57550cc96cc" xsi:nil="true"/>
+    <FeatureTagsTaxHTField0 xmlns="4873beb7-5857-4685-be1f-d57550cc96cc">
+      <Terms xmlns="http://schemas.microsoft.com/office/infopath/2007/PartnerControls"/>
+    </FeatureTagsTaxHTField0>
+    <PublishStatusLookup xmlns="4873beb7-5857-4685-be1f-d57550cc96cc">
+      <Value>1566889</Value>
+    </PublishStatusLookup>
+    <Providers xmlns="4873beb7-5857-4685-be1f-d57550cc96cc" xsi:nil="true"/>
+    <MachineTranslated xmlns="4873beb7-5857-4685-be1f-d57550cc96cc">false</MachineTranslated>
+    <OriginalSourceMarket xmlns="4873beb7-5857-4685-be1f-d57550cc96cc" xsi:nil="true"/>
+    <APDescription xmlns="4873beb7-5857-4685-be1f-d57550cc96cc" xsi:nil="true"/>
+    <ClipArtFilename xmlns="4873beb7-5857-4685-be1f-d57550cc96cc" xsi:nil="true"/>
+    <ContentItem xmlns="4873beb7-5857-4685-be1f-d57550cc96cc" xsi:nil="true"/>
+    <TPInstallLocation xmlns="4873beb7-5857-4685-be1f-d57550cc96cc" xsi:nil="true"/>
+    <PublishTargets xmlns="4873beb7-5857-4685-be1f-d57550cc96cc">OfficeOnlineVNext</PublishTargets>
+    <TimesCloned xmlns="4873beb7-5857-4685-be1f-d57550cc96cc" xsi:nil="true"/>
+    <AssetStart xmlns="4873beb7-5857-4685-be1f-d57550cc96cc">2012-05-23T08:44:00+00:00</AssetStart>
+    <Provider xmlns="4873beb7-5857-4685-be1f-d57550cc96cc" xsi:nil="true"/>
+    <AcquiredFrom xmlns="4873beb7-5857-4685-be1f-d57550cc96cc">Internal MS</AcquiredFrom>
+    <FriendlyTitle xmlns="4873beb7-5857-4685-be1f-d57550cc96cc" xsi:nil="true"/>
+    <LastHandOff xmlns="4873beb7-5857-4685-be1f-d57550cc96cc" xsi:nil="true"/>
+    <TPClientViewer xmlns="4873beb7-5857-4685-be1f-d57550cc96cc" xsi:nil="true"/>
+    <UACurrentWords xmlns="4873beb7-5857-4685-be1f-d57550cc96cc" xsi:nil="true"/>
+    <ArtSampleDocs xmlns="4873beb7-5857-4685-be1f-d57550cc96cc" xsi:nil="true"/>
+    <UALocRecommendation xmlns="4873beb7-5857-4685-be1f-d57550cc96cc">Localize</UALocRecommendation>
+    <Manager xmlns="4873beb7-5857-4685-be1f-d57550cc96cc" xsi:nil="true"/>
+    <ShowIn xmlns="4873beb7-5857-4685-be1f-d57550cc96cc">Show everywhere</ShowIn>
+    <UANotes xmlns="4873beb7-5857-4685-be1f-d57550cc96cc" xsi:nil="true"/>
+    <TemplateStatus xmlns="4873beb7-5857-4685-be1f-d57550cc96cc">Complete</TemplateStatus>
+    <InternalTagsTaxHTField0 xmlns="4873beb7-5857-4685-be1f-d57550cc96cc">
+      <Terms xmlns="http://schemas.microsoft.com/office/infopath/2007/PartnerControls"/>
+    </InternalTagsTaxHTField0>
+    <CSXHash xmlns="4873beb7-5857-4685-be1f-d57550cc96cc" xsi:nil="true"/>
+    <Downloads xmlns="4873beb7-5857-4685-be1f-d57550cc96cc">0</Downloads>
+    <VoteCount xmlns="4873beb7-5857-4685-be1f-d57550cc96cc" xsi:nil="true"/>
+    <OOCacheId xmlns="4873beb7-5857-4685-be1f-d57550cc96cc" xsi:nil="true"/>
+    <IsDeleted xmlns="4873beb7-5857-4685-be1f-d57550cc96cc">false</IsDeleted>
+    <AssetExpire xmlns="4873beb7-5857-4685-be1f-d57550cc96cc">2029-01-01T08:00:00+00:00</AssetExpire>
+    <DSATActionTaken xmlns="4873beb7-5857-4685-be1f-d57550cc96cc" xsi:nil="true"/>
+    <CSXSubmissionMarket xmlns="4873beb7-5857-4685-be1f-d57550cc96cc" xsi:nil="true"/>
+    <TPExecutable xmlns="4873beb7-5857-4685-be1f-d57550cc96cc" xsi:nil="true"/>
+    <SubmitterId xmlns="4873beb7-5857-4685-be1f-d57550cc96cc" xsi:nil="true"/>
+    <EditorialTags xmlns="4873beb7-5857-4685-be1f-d57550cc96cc" xsi:nil="true"/>
+    <ApprovalLog xmlns="4873beb7-5857-4685-be1f-d57550cc96cc" xsi:nil="true"/>
+    <AssetType xmlns="4873beb7-5857-4685-be1f-d57550cc96cc">TP</AssetType>
+    <BugNumber xmlns="4873beb7-5857-4685-be1f-d57550cc96cc" xsi:nil="true"/>
+    <CSXSubmissionDate xmlns="4873beb7-5857-4685-be1f-d57550cc96cc" xsi:nil="true"/>
+    <CSXUpdate xmlns="4873beb7-5857-4685-be1f-d57550cc96cc">false</CSXUpdate>
+    <Milestone xmlns="4873beb7-5857-4685-be1f-d57550cc96cc" xsi:nil="true"/>
+    <RecommendationsModifier xmlns="4873beb7-5857-4685-be1f-d57550cc96cc" xsi:nil="true"/>
+    <OriginAsset xmlns="4873beb7-5857-4685-be1f-d57550cc96cc" xsi:nil="true"/>
+    <TPComponent xmlns="4873beb7-5857-4685-be1f-d57550cc96cc" xsi:nil="true"/>
+    <AssetId xmlns="4873beb7-5857-4685-be1f-d57550cc96cc">TP102901017</AssetId>
+    <IntlLocPriority xmlns="4873beb7-5857-4685-be1f-d57550cc96cc" xsi:nil="true"/>
+    <PolicheckWords xmlns="4873beb7-5857-4685-be1f-d57550cc96cc" xsi:nil="true"/>
+    <TPLaunchHelpLink xmlns="4873beb7-5857-4685-be1f-d57550cc96cc" xsi:nil="true"/>
+    <TPApplication xmlns="4873beb7-5857-4685-be1f-d57550cc96cc" xsi:nil="true"/>
+    <CrawlForDependencies xmlns="4873beb7-5857-4685-be1f-d57550cc96cc">false</CrawlForDependencies>
+    <HandoffToMSDN xmlns="4873beb7-5857-4685-be1f-d57550cc96cc" xsi:nil="true"/>
+    <PlannedPubDate xmlns="4873beb7-5857-4685-be1f-d57550cc96cc" xsi:nil="true"/>
+    <IntlLangReviewer xmlns="4873beb7-5857-4685-be1f-d57550cc96cc" xsi:nil="true"/>
+    <TrustLevel xmlns="4873beb7-5857-4685-be1f-d57550cc96cc">1 Microsoft Managed Content</TrustLevel>
+    <LocLastLocAttemptVersionLookup xmlns="4873beb7-5857-4685-be1f-d57550cc96cc">836753</LocLastLocAttemptVersionLookup>
+    <IsSearchable xmlns="4873beb7-5857-4685-be1f-d57550cc96cc">true</IsSearchable>
+    <TemplateTemplateType xmlns="4873beb7-5857-4685-be1f-d57550cc96cc">PowerPoint Design Template</TemplateTemplateType>
+    <CampaignTagsTaxHTField0 xmlns="4873beb7-5857-4685-be1f-d57550cc96cc">
+      <Terms xmlns="http://schemas.microsoft.com/office/infopath/2007/PartnerControls"/>
+    </CampaignTagsTaxHTField0>
+    <TPNamespace xmlns="4873beb7-5857-4685-be1f-d57550cc96cc" xsi:nil="true"/>
+    <TaxCatchAll xmlns="4873beb7-5857-4685-be1f-d57550cc96cc"/>
+    <Markets xmlns="4873beb7-5857-4685-be1f-d57550cc96cc"/>
+    <UAProjectedTotalWords xmlns="4873beb7-5857-4685-be1f-d57550cc96cc" xsi:nil="true"/>
+    <IntlLangReview xmlns="4873beb7-5857-4685-be1f-d57550cc96cc">false</IntlLangReview>
+    <OutputCachingOn xmlns="4873beb7-5857-4685-be1f-d57550cc96cc">false</OutputCachingOn>
+    <AverageRating xmlns="4873beb7-5857-4685-be1f-d57550cc96cc" xsi:nil="true"/>
+    <APAuthor xmlns="4873beb7-5857-4685-be1f-d57550cc96cc">
+      <UserInfo>
+        <DisplayName>REDMOND\v-anij</DisplayName>
+        <AccountId>2469</AccountId>
+        <AccountType/>
+      </UserInfo>
+    </APAuthor>
+    <LocManualTestRequired xmlns="4873beb7-5857-4685-be1f-d57550cc96cc">false</LocManualTestRequired>
+    <TPCommandLine xmlns="4873beb7-5857-4685-be1f-d57550cc96cc" xsi:nil="true"/>
+    <TPAppVersion xmlns="4873beb7-5857-4685-be1f-d57550cc96cc" xsi:nil="true"/>
+    <EditorialStatus xmlns="4873beb7-5857-4685-be1f-d57550cc96cc">Complete</EditorialStatus>
+    <LastModifiedDateTime xmlns="4873beb7-5857-4685-be1f-d57550cc96cc" xsi:nil="true"/>
+    <ScenarioTagsTaxHTField0 xmlns="4873beb7-5857-4685-be1f-d57550cc96cc">
+      <Terms xmlns="http://schemas.microsoft.com/office/infopath/2007/PartnerControls"/>
+    </ScenarioTagsTaxHTField0>
+    <OriginalRelease xmlns="4873beb7-5857-4685-be1f-d57550cc96cc">15</OriginalRelease>
+    <TPLaunchHelpLinkType xmlns="4873beb7-5857-4685-be1f-d57550cc96cc">Template</TPLaunchHelpLinkType>
+    <LocalizationTagsTaxHTField0 xmlns="4873beb7-5857-4685-be1f-d57550cc96cc">
+      <Terms xmlns="http://schemas.microsoft.com/office/infopath/2007/PartnerControls"/>
+    </LocalizationTagsTaxHTField0>
+    <LocMarketGroupTiers2 xmlns="4873beb7-5857-4685-be1f-d57550cc96cc" xsi:nil="true"/>
+  </documentManagement>
+</p:properties>
+</file>
+
+<file path=customXml/item2.xml><?xml version="1.0" encoding="utf-8"?>
 <ct:contentTypeSchema xmlns:ct="http://schemas.microsoft.com/office/2006/metadata/contentType" xmlns:ma="http://schemas.microsoft.com/office/2006/metadata/properties/metaAttributes" ct:_="" ma:_="" ma:contentTypeName="TemplateFile" ma:contentTypeID="0x0101006EDDDB5EE6D98C44930B742096920B300400F5B6D36B3EF94B4E9A635CDF2A18F5B8" ma:contentTypeVersion="72" ma:contentTypeDescription="Create a new document." ma:contentTypeScope="" ma:versionID="a23e56308344d904b51738559c3d67c9">
   <xsd:schema xmlns:xsd="http://www.w3.org/2001/XMLSchema" xmlns:xs="http://www.w3.org/2001/XMLSchema" xmlns:p="http://schemas.microsoft.com/office/2006/metadata/properties" xmlns:ns2="4873beb7-5857-4685-be1f-d57550cc96cc" targetNamespace="http://schemas.microsoft.com/office/2006/metadata/properties" ma:root="true" ma:fieldsID="cd0908cc4600e77bf5da051303e00c8d" ns2:_="">
     <xsd:import namespace="4873beb7-5857-4685-be1f-d57550cc96cc"/>
@@ -9094,132 +9220,6 @@
 </ct:contentTypeSchema>
 </file>
 
-<file path=customXml/item2.xml><?xml version="1.0" encoding="utf-8"?>
-<p:properties xmlns:p="http://schemas.microsoft.com/office/2006/metadata/properties" xmlns:xsi="http://www.w3.org/2001/XMLSchema-instance" xmlns:pc="http://schemas.microsoft.com/office/infopath/2007/PartnerControls">
-  <documentManagement>
-    <DirectSourceMarket xmlns="4873beb7-5857-4685-be1f-d57550cc96cc" xsi:nil="true"/>
-    <ApprovalStatus xmlns="4873beb7-5857-4685-be1f-d57550cc96cc">InProgress</ApprovalStatus>
-    <MarketSpecific xmlns="4873beb7-5857-4685-be1f-d57550cc96cc">false</MarketSpecific>
-    <LocComments xmlns="4873beb7-5857-4685-be1f-d57550cc96cc" xsi:nil="true"/>
-    <ThumbnailAssetId xmlns="4873beb7-5857-4685-be1f-d57550cc96cc" xsi:nil="true"/>
-    <PrimaryImageGen xmlns="4873beb7-5857-4685-be1f-d57550cc96cc">true</PrimaryImageGen>
-    <LegacyData xmlns="4873beb7-5857-4685-be1f-d57550cc96cc" xsi:nil="true"/>
-    <LocRecommendedHandoff xmlns="4873beb7-5857-4685-be1f-d57550cc96cc" xsi:nil="true"/>
-    <BusinessGroup xmlns="4873beb7-5857-4685-be1f-d57550cc96cc" xsi:nil="true"/>
-    <BlockPublish xmlns="4873beb7-5857-4685-be1f-d57550cc96cc">false</BlockPublish>
-    <TPFriendlyName xmlns="4873beb7-5857-4685-be1f-d57550cc96cc" xsi:nil="true"/>
-    <NumericId xmlns="4873beb7-5857-4685-be1f-d57550cc96cc" xsi:nil="true"/>
-    <APEditor xmlns="4873beb7-5857-4685-be1f-d57550cc96cc">
-      <UserInfo>
-        <DisplayName/>
-        <AccountId xsi:nil="true"/>
-        <AccountType/>
-      </UserInfo>
-    </APEditor>
-    <SourceTitle xmlns="4873beb7-5857-4685-be1f-d57550cc96cc" xsi:nil="true"/>
-    <OpenTemplate xmlns="4873beb7-5857-4685-be1f-d57550cc96cc">true</OpenTemplate>
-    <UALocComments xmlns="4873beb7-5857-4685-be1f-d57550cc96cc" xsi:nil="true"/>
-    <ParentAssetId xmlns="4873beb7-5857-4685-be1f-d57550cc96cc" xsi:nil="true"/>
-    <IntlLangReviewDate xmlns="4873beb7-5857-4685-be1f-d57550cc96cc" xsi:nil="true"/>
-    <FeatureTagsTaxHTField0 xmlns="4873beb7-5857-4685-be1f-d57550cc96cc">
-      <Terms xmlns="http://schemas.microsoft.com/office/infopath/2007/PartnerControls"/>
-    </FeatureTagsTaxHTField0>
-    <PublishStatusLookup xmlns="4873beb7-5857-4685-be1f-d57550cc96cc">
-      <Value>1566889</Value>
-    </PublishStatusLookup>
-    <Providers xmlns="4873beb7-5857-4685-be1f-d57550cc96cc" xsi:nil="true"/>
-    <MachineTranslated xmlns="4873beb7-5857-4685-be1f-d57550cc96cc">false</MachineTranslated>
-    <OriginalSourceMarket xmlns="4873beb7-5857-4685-be1f-d57550cc96cc" xsi:nil="true"/>
-    <APDescription xmlns="4873beb7-5857-4685-be1f-d57550cc96cc" xsi:nil="true"/>
-    <ClipArtFilename xmlns="4873beb7-5857-4685-be1f-d57550cc96cc" xsi:nil="true"/>
-    <ContentItem xmlns="4873beb7-5857-4685-be1f-d57550cc96cc" xsi:nil="true"/>
-    <TPInstallLocation xmlns="4873beb7-5857-4685-be1f-d57550cc96cc" xsi:nil="true"/>
-    <PublishTargets xmlns="4873beb7-5857-4685-be1f-d57550cc96cc">OfficeOnlineVNext</PublishTargets>
-    <TimesCloned xmlns="4873beb7-5857-4685-be1f-d57550cc96cc" xsi:nil="true"/>
-    <AssetStart xmlns="4873beb7-5857-4685-be1f-d57550cc96cc">2012-05-23T08:44:00+00:00</AssetStart>
-    <Provider xmlns="4873beb7-5857-4685-be1f-d57550cc96cc" xsi:nil="true"/>
-    <AcquiredFrom xmlns="4873beb7-5857-4685-be1f-d57550cc96cc">Internal MS</AcquiredFrom>
-    <FriendlyTitle xmlns="4873beb7-5857-4685-be1f-d57550cc96cc" xsi:nil="true"/>
-    <LastHandOff xmlns="4873beb7-5857-4685-be1f-d57550cc96cc" xsi:nil="true"/>
-    <TPClientViewer xmlns="4873beb7-5857-4685-be1f-d57550cc96cc" xsi:nil="true"/>
-    <UACurrentWords xmlns="4873beb7-5857-4685-be1f-d57550cc96cc" xsi:nil="true"/>
-    <ArtSampleDocs xmlns="4873beb7-5857-4685-be1f-d57550cc96cc" xsi:nil="true"/>
-    <UALocRecommendation xmlns="4873beb7-5857-4685-be1f-d57550cc96cc">Localize</UALocRecommendation>
-    <Manager xmlns="4873beb7-5857-4685-be1f-d57550cc96cc" xsi:nil="true"/>
-    <ShowIn xmlns="4873beb7-5857-4685-be1f-d57550cc96cc">Show everywhere</ShowIn>
-    <UANotes xmlns="4873beb7-5857-4685-be1f-d57550cc96cc" xsi:nil="true"/>
-    <TemplateStatus xmlns="4873beb7-5857-4685-be1f-d57550cc96cc">Complete</TemplateStatus>
-    <InternalTagsTaxHTField0 xmlns="4873beb7-5857-4685-be1f-d57550cc96cc">
-      <Terms xmlns="http://schemas.microsoft.com/office/infopath/2007/PartnerControls"/>
-    </InternalTagsTaxHTField0>
-    <CSXHash xmlns="4873beb7-5857-4685-be1f-d57550cc96cc" xsi:nil="true"/>
-    <Downloads xmlns="4873beb7-5857-4685-be1f-d57550cc96cc">0</Downloads>
-    <VoteCount xmlns="4873beb7-5857-4685-be1f-d57550cc96cc" xsi:nil="true"/>
-    <OOCacheId xmlns="4873beb7-5857-4685-be1f-d57550cc96cc" xsi:nil="true"/>
-    <IsDeleted xmlns="4873beb7-5857-4685-be1f-d57550cc96cc">false</IsDeleted>
-    <AssetExpire xmlns="4873beb7-5857-4685-be1f-d57550cc96cc">2029-01-01T08:00:00+00:00</AssetExpire>
-    <DSATActionTaken xmlns="4873beb7-5857-4685-be1f-d57550cc96cc" xsi:nil="true"/>
-    <CSXSubmissionMarket xmlns="4873beb7-5857-4685-be1f-d57550cc96cc" xsi:nil="true"/>
-    <TPExecutable xmlns="4873beb7-5857-4685-be1f-d57550cc96cc" xsi:nil="true"/>
-    <SubmitterId xmlns="4873beb7-5857-4685-be1f-d57550cc96cc" xsi:nil="true"/>
-    <EditorialTags xmlns="4873beb7-5857-4685-be1f-d57550cc96cc" xsi:nil="true"/>
-    <ApprovalLog xmlns="4873beb7-5857-4685-be1f-d57550cc96cc" xsi:nil="true"/>
-    <AssetType xmlns="4873beb7-5857-4685-be1f-d57550cc96cc">TP</AssetType>
-    <BugNumber xmlns="4873beb7-5857-4685-be1f-d57550cc96cc" xsi:nil="true"/>
-    <CSXSubmissionDate xmlns="4873beb7-5857-4685-be1f-d57550cc96cc" xsi:nil="true"/>
-    <CSXUpdate xmlns="4873beb7-5857-4685-be1f-d57550cc96cc">false</CSXUpdate>
-    <Milestone xmlns="4873beb7-5857-4685-be1f-d57550cc96cc" xsi:nil="true"/>
-    <RecommendationsModifier xmlns="4873beb7-5857-4685-be1f-d57550cc96cc" xsi:nil="true"/>
-    <OriginAsset xmlns="4873beb7-5857-4685-be1f-d57550cc96cc" xsi:nil="true"/>
-    <TPComponent xmlns="4873beb7-5857-4685-be1f-d57550cc96cc" xsi:nil="true"/>
-    <AssetId xmlns="4873beb7-5857-4685-be1f-d57550cc96cc">TP102901017</AssetId>
-    <IntlLocPriority xmlns="4873beb7-5857-4685-be1f-d57550cc96cc" xsi:nil="true"/>
-    <PolicheckWords xmlns="4873beb7-5857-4685-be1f-d57550cc96cc" xsi:nil="true"/>
-    <TPLaunchHelpLink xmlns="4873beb7-5857-4685-be1f-d57550cc96cc" xsi:nil="true"/>
-    <TPApplication xmlns="4873beb7-5857-4685-be1f-d57550cc96cc" xsi:nil="true"/>
-    <CrawlForDependencies xmlns="4873beb7-5857-4685-be1f-d57550cc96cc">false</CrawlForDependencies>
-    <HandoffToMSDN xmlns="4873beb7-5857-4685-be1f-d57550cc96cc" xsi:nil="true"/>
-    <PlannedPubDate xmlns="4873beb7-5857-4685-be1f-d57550cc96cc" xsi:nil="true"/>
-    <IntlLangReviewer xmlns="4873beb7-5857-4685-be1f-d57550cc96cc" xsi:nil="true"/>
-    <TrustLevel xmlns="4873beb7-5857-4685-be1f-d57550cc96cc">1 Microsoft Managed Content</TrustLevel>
-    <LocLastLocAttemptVersionLookup xmlns="4873beb7-5857-4685-be1f-d57550cc96cc">836753</LocLastLocAttemptVersionLookup>
-    <IsSearchable xmlns="4873beb7-5857-4685-be1f-d57550cc96cc">true</IsSearchable>
-    <TemplateTemplateType xmlns="4873beb7-5857-4685-be1f-d57550cc96cc">PowerPoint Design Template</TemplateTemplateType>
-    <CampaignTagsTaxHTField0 xmlns="4873beb7-5857-4685-be1f-d57550cc96cc">
-      <Terms xmlns="http://schemas.microsoft.com/office/infopath/2007/PartnerControls"/>
-    </CampaignTagsTaxHTField0>
-    <TPNamespace xmlns="4873beb7-5857-4685-be1f-d57550cc96cc" xsi:nil="true"/>
-    <TaxCatchAll xmlns="4873beb7-5857-4685-be1f-d57550cc96cc"/>
-    <Markets xmlns="4873beb7-5857-4685-be1f-d57550cc96cc"/>
-    <UAProjectedTotalWords xmlns="4873beb7-5857-4685-be1f-d57550cc96cc" xsi:nil="true"/>
-    <IntlLangReview xmlns="4873beb7-5857-4685-be1f-d57550cc96cc">false</IntlLangReview>
-    <OutputCachingOn xmlns="4873beb7-5857-4685-be1f-d57550cc96cc">false</OutputCachingOn>
-    <AverageRating xmlns="4873beb7-5857-4685-be1f-d57550cc96cc" xsi:nil="true"/>
-    <APAuthor xmlns="4873beb7-5857-4685-be1f-d57550cc96cc">
-      <UserInfo>
-        <DisplayName>REDMOND\v-anij</DisplayName>
-        <AccountId>2469</AccountId>
-        <AccountType/>
-      </UserInfo>
-    </APAuthor>
-    <LocManualTestRequired xmlns="4873beb7-5857-4685-be1f-d57550cc96cc">false</LocManualTestRequired>
-    <TPCommandLine xmlns="4873beb7-5857-4685-be1f-d57550cc96cc" xsi:nil="true"/>
-    <TPAppVersion xmlns="4873beb7-5857-4685-be1f-d57550cc96cc" xsi:nil="true"/>
-    <EditorialStatus xmlns="4873beb7-5857-4685-be1f-d57550cc96cc">Complete</EditorialStatus>
-    <LastModifiedDateTime xmlns="4873beb7-5857-4685-be1f-d57550cc96cc" xsi:nil="true"/>
-    <ScenarioTagsTaxHTField0 xmlns="4873beb7-5857-4685-be1f-d57550cc96cc">
-      <Terms xmlns="http://schemas.microsoft.com/office/infopath/2007/PartnerControls"/>
-    </ScenarioTagsTaxHTField0>
-    <OriginalRelease xmlns="4873beb7-5857-4685-be1f-d57550cc96cc">15</OriginalRelease>
-    <TPLaunchHelpLinkType xmlns="4873beb7-5857-4685-be1f-d57550cc96cc">Template</TPLaunchHelpLinkType>
-    <LocalizationTagsTaxHTField0 xmlns="4873beb7-5857-4685-be1f-d57550cc96cc">
-      <Terms xmlns="http://schemas.microsoft.com/office/infopath/2007/PartnerControls"/>
-    </LocalizationTagsTaxHTField0>
-    <LocMarketGroupTiers2 xmlns="4873beb7-5857-4685-be1f-d57550cc96cc" xsi:nil="true"/>
-  </documentManagement>
-</p:properties>
-</file>
-
 <file path=customXml/item3.xml><?xml version="1.0" encoding="utf-8"?>
 <?mso-contentType ?>
 <FormTemplates xmlns="http://schemas.microsoft.com/sharepoint/v3/contenttype/forms">
@@ -9230,6 +9230,22 @@
 </file>
 
 <file path=customXml/itemProps1.xml><?xml version="1.0" encoding="utf-8"?>
+<ds:datastoreItem xmlns:ds="http://schemas.openxmlformats.org/officeDocument/2006/customXml" ds:itemID="{04098515-0C12-46CF-BC7C-69B4A13CD5FA}">
+  <ds:schemaRefs>
+    <ds:schemaRef ds:uri="http://purl.org/dc/terms/"/>
+    <ds:schemaRef ds:uri="4873beb7-5857-4685-be1f-d57550cc96cc"/>
+    <ds:schemaRef ds:uri="http://schemas.microsoft.com/office/2006/documentManagement/types"/>
+    <ds:schemaRef ds:uri="http://schemas.microsoft.com/office/2006/metadata/properties"/>
+    <ds:schemaRef ds:uri="http://schemas.microsoft.com/office/infopath/2007/PartnerControls"/>
+    <ds:schemaRef ds:uri="http://purl.org/dc/elements/1.1/"/>
+    <ds:schemaRef ds:uri="http://schemas.openxmlformats.org/package/2006/metadata/core-properties"/>
+    <ds:schemaRef ds:uri="http://www.w3.org/XML/1998/namespace"/>
+    <ds:schemaRef ds:uri="http://purl.org/dc/dcmitype/"/>
+  </ds:schemaRefs>
+</ds:datastoreItem>
+</file>
+
+<file path=customXml/itemProps2.xml><?xml version="1.0" encoding="utf-8"?>
 <ds:datastoreItem xmlns:ds="http://schemas.openxmlformats.org/officeDocument/2006/customXml" ds:itemID="{0B5C6E15-39DC-470B-9445-F754B9458020}">
   <ds:schemaRefs>
     <ds:schemaRef ds:uri="http://schemas.microsoft.com/office/2006/metadata/contentType"/>
@@ -9247,22 +9263,6 @@
 </ds:datastoreItem>
 </file>
 
-<file path=customXml/itemProps2.xml><?xml version="1.0" encoding="utf-8"?>
-<ds:datastoreItem xmlns:ds="http://schemas.openxmlformats.org/officeDocument/2006/customXml" ds:itemID="{04098515-0C12-46CF-BC7C-69B4A13CD5FA}">
-  <ds:schemaRefs>
-    <ds:schemaRef ds:uri="http://purl.org/dc/terms/"/>
-    <ds:schemaRef ds:uri="4873beb7-5857-4685-be1f-d57550cc96cc"/>
-    <ds:schemaRef ds:uri="http://schemas.microsoft.com/office/2006/documentManagement/types"/>
-    <ds:schemaRef ds:uri="http://schemas.microsoft.com/office/2006/metadata/properties"/>
-    <ds:schemaRef ds:uri="http://schemas.microsoft.com/office/infopath/2007/PartnerControls"/>
-    <ds:schemaRef ds:uri="http://purl.org/dc/elements/1.1/"/>
-    <ds:schemaRef ds:uri="http://schemas.openxmlformats.org/package/2006/metadata/core-properties"/>
-    <ds:schemaRef ds:uri="http://www.w3.org/XML/1998/namespace"/>
-    <ds:schemaRef ds:uri="http://purl.org/dc/dcmitype/"/>
-  </ds:schemaRefs>
-</ds:datastoreItem>
-</file>
-
 <file path=customXml/itemProps3.xml><?xml version="1.0" encoding="utf-8"?>
 <ds:datastoreItem xmlns:ds="http://schemas.openxmlformats.org/officeDocument/2006/customXml" ds:itemID="{746CFF6F-D9AA-4BC0-911A-0A1356771912}">
   <ds:schemaRefs>

--- a/Tutorial 2 Data and optimisation.pptx
+++ b/Tutorial 2 Data and optimisation.pptx
@@ -8055,132 +8055,6 @@
 </file>
 
 <file path=customXml/item1.xml><?xml version="1.0" encoding="utf-8"?>
-<p:properties xmlns:p="http://schemas.microsoft.com/office/2006/metadata/properties" xmlns:xsi="http://www.w3.org/2001/XMLSchema-instance" xmlns:pc="http://schemas.microsoft.com/office/infopath/2007/PartnerControls">
-  <documentManagement>
-    <DirectSourceMarket xmlns="4873beb7-5857-4685-be1f-d57550cc96cc" xsi:nil="true"/>
-    <ApprovalStatus xmlns="4873beb7-5857-4685-be1f-d57550cc96cc">InProgress</ApprovalStatus>
-    <MarketSpecific xmlns="4873beb7-5857-4685-be1f-d57550cc96cc">false</MarketSpecific>
-    <LocComments xmlns="4873beb7-5857-4685-be1f-d57550cc96cc" xsi:nil="true"/>
-    <ThumbnailAssetId xmlns="4873beb7-5857-4685-be1f-d57550cc96cc" xsi:nil="true"/>
-    <PrimaryImageGen xmlns="4873beb7-5857-4685-be1f-d57550cc96cc">true</PrimaryImageGen>
-    <LegacyData xmlns="4873beb7-5857-4685-be1f-d57550cc96cc" xsi:nil="true"/>
-    <LocRecommendedHandoff xmlns="4873beb7-5857-4685-be1f-d57550cc96cc" xsi:nil="true"/>
-    <BusinessGroup xmlns="4873beb7-5857-4685-be1f-d57550cc96cc" xsi:nil="true"/>
-    <BlockPublish xmlns="4873beb7-5857-4685-be1f-d57550cc96cc">false</BlockPublish>
-    <TPFriendlyName xmlns="4873beb7-5857-4685-be1f-d57550cc96cc" xsi:nil="true"/>
-    <NumericId xmlns="4873beb7-5857-4685-be1f-d57550cc96cc" xsi:nil="true"/>
-    <APEditor xmlns="4873beb7-5857-4685-be1f-d57550cc96cc">
-      <UserInfo>
-        <DisplayName/>
-        <AccountId xsi:nil="true"/>
-        <AccountType/>
-      </UserInfo>
-    </APEditor>
-    <SourceTitle xmlns="4873beb7-5857-4685-be1f-d57550cc96cc" xsi:nil="true"/>
-    <OpenTemplate xmlns="4873beb7-5857-4685-be1f-d57550cc96cc">true</OpenTemplate>
-    <UALocComments xmlns="4873beb7-5857-4685-be1f-d57550cc96cc" xsi:nil="true"/>
-    <ParentAssetId xmlns="4873beb7-5857-4685-be1f-d57550cc96cc" xsi:nil="true"/>
-    <IntlLangReviewDate xmlns="4873beb7-5857-4685-be1f-d57550cc96cc" xsi:nil="true"/>
-    <FeatureTagsTaxHTField0 xmlns="4873beb7-5857-4685-be1f-d57550cc96cc">
-      <Terms xmlns="http://schemas.microsoft.com/office/infopath/2007/PartnerControls"/>
-    </FeatureTagsTaxHTField0>
-    <PublishStatusLookup xmlns="4873beb7-5857-4685-be1f-d57550cc96cc">
-      <Value>1566889</Value>
-    </PublishStatusLookup>
-    <Providers xmlns="4873beb7-5857-4685-be1f-d57550cc96cc" xsi:nil="true"/>
-    <MachineTranslated xmlns="4873beb7-5857-4685-be1f-d57550cc96cc">false</MachineTranslated>
-    <OriginalSourceMarket xmlns="4873beb7-5857-4685-be1f-d57550cc96cc" xsi:nil="true"/>
-    <APDescription xmlns="4873beb7-5857-4685-be1f-d57550cc96cc" xsi:nil="true"/>
-    <ClipArtFilename xmlns="4873beb7-5857-4685-be1f-d57550cc96cc" xsi:nil="true"/>
-    <ContentItem xmlns="4873beb7-5857-4685-be1f-d57550cc96cc" xsi:nil="true"/>
-    <TPInstallLocation xmlns="4873beb7-5857-4685-be1f-d57550cc96cc" xsi:nil="true"/>
-    <PublishTargets xmlns="4873beb7-5857-4685-be1f-d57550cc96cc">OfficeOnlineVNext</PublishTargets>
-    <TimesCloned xmlns="4873beb7-5857-4685-be1f-d57550cc96cc" xsi:nil="true"/>
-    <AssetStart xmlns="4873beb7-5857-4685-be1f-d57550cc96cc">2012-05-23T08:44:00+00:00</AssetStart>
-    <Provider xmlns="4873beb7-5857-4685-be1f-d57550cc96cc" xsi:nil="true"/>
-    <AcquiredFrom xmlns="4873beb7-5857-4685-be1f-d57550cc96cc">Internal MS</AcquiredFrom>
-    <FriendlyTitle xmlns="4873beb7-5857-4685-be1f-d57550cc96cc" xsi:nil="true"/>
-    <LastHandOff xmlns="4873beb7-5857-4685-be1f-d57550cc96cc" xsi:nil="true"/>
-    <TPClientViewer xmlns="4873beb7-5857-4685-be1f-d57550cc96cc" xsi:nil="true"/>
-    <UACurrentWords xmlns="4873beb7-5857-4685-be1f-d57550cc96cc" xsi:nil="true"/>
-    <ArtSampleDocs xmlns="4873beb7-5857-4685-be1f-d57550cc96cc" xsi:nil="true"/>
-    <UALocRecommendation xmlns="4873beb7-5857-4685-be1f-d57550cc96cc">Localize</UALocRecommendation>
-    <Manager xmlns="4873beb7-5857-4685-be1f-d57550cc96cc" xsi:nil="true"/>
-    <ShowIn xmlns="4873beb7-5857-4685-be1f-d57550cc96cc">Show everywhere</ShowIn>
-    <UANotes xmlns="4873beb7-5857-4685-be1f-d57550cc96cc" xsi:nil="true"/>
-    <TemplateStatus xmlns="4873beb7-5857-4685-be1f-d57550cc96cc">Complete</TemplateStatus>
-    <InternalTagsTaxHTField0 xmlns="4873beb7-5857-4685-be1f-d57550cc96cc">
-      <Terms xmlns="http://schemas.microsoft.com/office/infopath/2007/PartnerControls"/>
-    </InternalTagsTaxHTField0>
-    <CSXHash xmlns="4873beb7-5857-4685-be1f-d57550cc96cc" xsi:nil="true"/>
-    <Downloads xmlns="4873beb7-5857-4685-be1f-d57550cc96cc">0</Downloads>
-    <VoteCount xmlns="4873beb7-5857-4685-be1f-d57550cc96cc" xsi:nil="true"/>
-    <OOCacheId xmlns="4873beb7-5857-4685-be1f-d57550cc96cc" xsi:nil="true"/>
-    <IsDeleted xmlns="4873beb7-5857-4685-be1f-d57550cc96cc">false</IsDeleted>
-    <AssetExpire xmlns="4873beb7-5857-4685-be1f-d57550cc96cc">2029-01-01T08:00:00+00:00</AssetExpire>
-    <DSATActionTaken xmlns="4873beb7-5857-4685-be1f-d57550cc96cc" xsi:nil="true"/>
-    <CSXSubmissionMarket xmlns="4873beb7-5857-4685-be1f-d57550cc96cc" xsi:nil="true"/>
-    <TPExecutable xmlns="4873beb7-5857-4685-be1f-d57550cc96cc" xsi:nil="true"/>
-    <SubmitterId xmlns="4873beb7-5857-4685-be1f-d57550cc96cc" xsi:nil="true"/>
-    <EditorialTags xmlns="4873beb7-5857-4685-be1f-d57550cc96cc" xsi:nil="true"/>
-    <ApprovalLog xmlns="4873beb7-5857-4685-be1f-d57550cc96cc" xsi:nil="true"/>
-    <AssetType xmlns="4873beb7-5857-4685-be1f-d57550cc96cc">TP</AssetType>
-    <BugNumber xmlns="4873beb7-5857-4685-be1f-d57550cc96cc" xsi:nil="true"/>
-    <CSXSubmissionDate xmlns="4873beb7-5857-4685-be1f-d57550cc96cc" xsi:nil="true"/>
-    <CSXUpdate xmlns="4873beb7-5857-4685-be1f-d57550cc96cc">false</CSXUpdate>
-    <Milestone xmlns="4873beb7-5857-4685-be1f-d57550cc96cc" xsi:nil="true"/>
-    <RecommendationsModifier xmlns="4873beb7-5857-4685-be1f-d57550cc96cc" xsi:nil="true"/>
-    <OriginAsset xmlns="4873beb7-5857-4685-be1f-d57550cc96cc" xsi:nil="true"/>
-    <TPComponent xmlns="4873beb7-5857-4685-be1f-d57550cc96cc" xsi:nil="true"/>
-    <AssetId xmlns="4873beb7-5857-4685-be1f-d57550cc96cc">TP102901017</AssetId>
-    <IntlLocPriority xmlns="4873beb7-5857-4685-be1f-d57550cc96cc" xsi:nil="true"/>
-    <PolicheckWords xmlns="4873beb7-5857-4685-be1f-d57550cc96cc" xsi:nil="true"/>
-    <TPLaunchHelpLink xmlns="4873beb7-5857-4685-be1f-d57550cc96cc" xsi:nil="true"/>
-    <TPApplication xmlns="4873beb7-5857-4685-be1f-d57550cc96cc" xsi:nil="true"/>
-    <CrawlForDependencies xmlns="4873beb7-5857-4685-be1f-d57550cc96cc">false</CrawlForDependencies>
-    <HandoffToMSDN xmlns="4873beb7-5857-4685-be1f-d57550cc96cc" xsi:nil="true"/>
-    <PlannedPubDate xmlns="4873beb7-5857-4685-be1f-d57550cc96cc" xsi:nil="true"/>
-    <IntlLangReviewer xmlns="4873beb7-5857-4685-be1f-d57550cc96cc" xsi:nil="true"/>
-    <TrustLevel xmlns="4873beb7-5857-4685-be1f-d57550cc96cc">1 Microsoft Managed Content</TrustLevel>
-    <LocLastLocAttemptVersionLookup xmlns="4873beb7-5857-4685-be1f-d57550cc96cc">836753</LocLastLocAttemptVersionLookup>
-    <IsSearchable xmlns="4873beb7-5857-4685-be1f-d57550cc96cc">true</IsSearchable>
-    <TemplateTemplateType xmlns="4873beb7-5857-4685-be1f-d57550cc96cc">PowerPoint Design Template</TemplateTemplateType>
-    <CampaignTagsTaxHTField0 xmlns="4873beb7-5857-4685-be1f-d57550cc96cc">
-      <Terms xmlns="http://schemas.microsoft.com/office/infopath/2007/PartnerControls"/>
-    </CampaignTagsTaxHTField0>
-    <TPNamespace xmlns="4873beb7-5857-4685-be1f-d57550cc96cc" xsi:nil="true"/>
-    <TaxCatchAll xmlns="4873beb7-5857-4685-be1f-d57550cc96cc"/>
-    <Markets xmlns="4873beb7-5857-4685-be1f-d57550cc96cc"/>
-    <UAProjectedTotalWords xmlns="4873beb7-5857-4685-be1f-d57550cc96cc" xsi:nil="true"/>
-    <IntlLangReview xmlns="4873beb7-5857-4685-be1f-d57550cc96cc">false</IntlLangReview>
-    <OutputCachingOn xmlns="4873beb7-5857-4685-be1f-d57550cc96cc">false</OutputCachingOn>
-    <AverageRating xmlns="4873beb7-5857-4685-be1f-d57550cc96cc" xsi:nil="true"/>
-    <APAuthor xmlns="4873beb7-5857-4685-be1f-d57550cc96cc">
-      <UserInfo>
-        <DisplayName>REDMOND\v-anij</DisplayName>
-        <AccountId>2469</AccountId>
-        <AccountType/>
-      </UserInfo>
-    </APAuthor>
-    <LocManualTestRequired xmlns="4873beb7-5857-4685-be1f-d57550cc96cc">false</LocManualTestRequired>
-    <TPCommandLine xmlns="4873beb7-5857-4685-be1f-d57550cc96cc" xsi:nil="true"/>
-    <TPAppVersion xmlns="4873beb7-5857-4685-be1f-d57550cc96cc" xsi:nil="true"/>
-    <EditorialStatus xmlns="4873beb7-5857-4685-be1f-d57550cc96cc">Complete</EditorialStatus>
-    <LastModifiedDateTime xmlns="4873beb7-5857-4685-be1f-d57550cc96cc" xsi:nil="true"/>
-    <ScenarioTagsTaxHTField0 xmlns="4873beb7-5857-4685-be1f-d57550cc96cc">
-      <Terms xmlns="http://schemas.microsoft.com/office/infopath/2007/PartnerControls"/>
-    </ScenarioTagsTaxHTField0>
-    <OriginalRelease xmlns="4873beb7-5857-4685-be1f-d57550cc96cc">15</OriginalRelease>
-    <TPLaunchHelpLinkType xmlns="4873beb7-5857-4685-be1f-d57550cc96cc">Template</TPLaunchHelpLinkType>
-    <LocalizationTagsTaxHTField0 xmlns="4873beb7-5857-4685-be1f-d57550cc96cc">
-      <Terms xmlns="http://schemas.microsoft.com/office/infopath/2007/PartnerControls"/>
-    </LocalizationTagsTaxHTField0>
-    <LocMarketGroupTiers2 xmlns="4873beb7-5857-4685-be1f-d57550cc96cc" xsi:nil="true"/>
-  </documentManagement>
-</p:properties>
-</file>
-
-<file path=customXml/item2.xml><?xml version="1.0" encoding="utf-8"?>
 <ct:contentTypeSchema xmlns:ct="http://schemas.microsoft.com/office/2006/metadata/contentType" xmlns:ma="http://schemas.microsoft.com/office/2006/metadata/properties/metaAttributes" ct:_="" ma:_="" ma:contentTypeName="TemplateFile" ma:contentTypeID="0x0101006EDDDB5EE6D98C44930B742096920B300400F5B6D36B3EF94B4E9A635CDF2A18F5B8" ma:contentTypeVersion="72" ma:contentTypeDescription="Create a new document." ma:contentTypeScope="" ma:versionID="a23e56308344d904b51738559c3d67c9">
   <xsd:schema xmlns:xsd="http://www.w3.org/2001/XMLSchema" xmlns:xs="http://www.w3.org/2001/XMLSchema" xmlns:p="http://schemas.microsoft.com/office/2006/metadata/properties" xmlns:ns2="4873beb7-5857-4685-be1f-d57550cc96cc" targetNamespace="http://schemas.microsoft.com/office/2006/metadata/properties" ma:root="true" ma:fieldsID="cd0908cc4600e77bf5da051303e00c8d" ns2:_="">
     <xsd:import namespace="4873beb7-5857-4685-be1f-d57550cc96cc"/>
@@ -9220,6 +9094,132 @@
 </ct:contentTypeSchema>
 </file>
 
+<file path=customXml/item2.xml><?xml version="1.0" encoding="utf-8"?>
+<p:properties xmlns:p="http://schemas.microsoft.com/office/2006/metadata/properties" xmlns:xsi="http://www.w3.org/2001/XMLSchema-instance" xmlns:pc="http://schemas.microsoft.com/office/infopath/2007/PartnerControls">
+  <documentManagement>
+    <DirectSourceMarket xmlns="4873beb7-5857-4685-be1f-d57550cc96cc" xsi:nil="true"/>
+    <ApprovalStatus xmlns="4873beb7-5857-4685-be1f-d57550cc96cc">InProgress</ApprovalStatus>
+    <MarketSpecific xmlns="4873beb7-5857-4685-be1f-d57550cc96cc">false</MarketSpecific>
+    <LocComments xmlns="4873beb7-5857-4685-be1f-d57550cc96cc" xsi:nil="true"/>
+    <ThumbnailAssetId xmlns="4873beb7-5857-4685-be1f-d57550cc96cc" xsi:nil="true"/>
+    <PrimaryImageGen xmlns="4873beb7-5857-4685-be1f-d57550cc96cc">true</PrimaryImageGen>
+    <LegacyData xmlns="4873beb7-5857-4685-be1f-d57550cc96cc" xsi:nil="true"/>
+    <LocRecommendedHandoff xmlns="4873beb7-5857-4685-be1f-d57550cc96cc" xsi:nil="true"/>
+    <BusinessGroup xmlns="4873beb7-5857-4685-be1f-d57550cc96cc" xsi:nil="true"/>
+    <BlockPublish xmlns="4873beb7-5857-4685-be1f-d57550cc96cc">false</BlockPublish>
+    <TPFriendlyName xmlns="4873beb7-5857-4685-be1f-d57550cc96cc" xsi:nil="true"/>
+    <NumericId xmlns="4873beb7-5857-4685-be1f-d57550cc96cc" xsi:nil="true"/>
+    <APEditor xmlns="4873beb7-5857-4685-be1f-d57550cc96cc">
+      <UserInfo>
+        <DisplayName/>
+        <AccountId xsi:nil="true"/>
+        <AccountType/>
+      </UserInfo>
+    </APEditor>
+    <SourceTitle xmlns="4873beb7-5857-4685-be1f-d57550cc96cc" xsi:nil="true"/>
+    <OpenTemplate xmlns="4873beb7-5857-4685-be1f-d57550cc96cc">true</OpenTemplate>
+    <UALocComments xmlns="4873beb7-5857-4685-be1f-d57550cc96cc" xsi:nil="true"/>
+    <ParentAssetId xmlns="4873beb7-5857-4685-be1f-d57550cc96cc" xsi:nil="true"/>
+    <IntlLangReviewDate xmlns="4873beb7-5857-4685-be1f-d57550cc96cc" xsi:nil="true"/>
+    <FeatureTagsTaxHTField0 xmlns="4873beb7-5857-4685-be1f-d57550cc96cc">
+      <Terms xmlns="http://schemas.microsoft.com/office/infopath/2007/PartnerControls"/>
+    </FeatureTagsTaxHTField0>
+    <PublishStatusLookup xmlns="4873beb7-5857-4685-be1f-d57550cc96cc">
+      <Value>1566889</Value>
+    </PublishStatusLookup>
+    <Providers xmlns="4873beb7-5857-4685-be1f-d57550cc96cc" xsi:nil="true"/>
+    <MachineTranslated xmlns="4873beb7-5857-4685-be1f-d57550cc96cc">false</MachineTranslated>
+    <OriginalSourceMarket xmlns="4873beb7-5857-4685-be1f-d57550cc96cc" xsi:nil="true"/>
+    <APDescription xmlns="4873beb7-5857-4685-be1f-d57550cc96cc" xsi:nil="true"/>
+    <ClipArtFilename xmlns="4873beb7-5857-4685-be1f-d57550cc96cc" xsi:nil="true"/>
+    <ContentItem xmlns="4873beb7-5857-4685-be1f-d57550cc96cc" xsi:nil="true"/>
+    <TPInstallLocation xmlns="4873beb7-5857-4685-be1f-d57550cc96cc" xsi:nil="true"/>
+    <PublishTargets xmlns="4873beb7-5857-4685-be1f-d57550cc96cc">OfficeOnlineVNext</PublishTargets>
+    <TimesCloned xmlns="4873beb7-5857-4685-be1f-d57550cc96cc" xsi:nil="true"/>
+    <AssetStart xmlns="4873beb7-5857-4685-be1f-d57550cc96cc">2012-05-23T08:44:00+00:00</AssetStart>
+    <Provider xmlns="4873beb7-5857-4685-be1f-d57550cc96cc" xsi:nil="true"/>
+    <AcquiredFrom xmlns="4873beb7-5857-4685-be1f-d57550cc96cc">Internal MS</AcquiredFrom>
+    <FriendlyTitle xmlns="4873beb7-5857-4685-be1f-d57550cc96cc" xsi:nil="true"/>
+    <LastHandOff xmlns="4873beb7-5857-4685-be1f-d57550cc96cc" xsi:nil="true"/>
+    <TPClientViewer xmlns="4873beb7-5857-4685-be1f-d57550cc96cc" xsi:nil="true"/>
+    <UACurrentWords xmlns="4873beb7-5857-4685-be1f-d57550cc96cc" xsi:nil="true"/>
+    <ArtSampleDocs xmlns="4873beb7-5857-4685-be1f-d57550cc96cc" xsi:nil="true"/>
+    <UALocRecommendation xmlns="4873beb7-5857-4685-be1f-d57550cc96cc">Localize</UALocRecommendation>
+    <Manager xmlns="4873beb7-5857-4685-be1f-d57550cc96cc" xsi:nil="true"/>
+    <ShowIn xmlns="4873beb7-5857-4685-be1f-d57550cc96cc">Show everywhere</ShowIn>
+    <UANotes xmlns="4873beb7-5857-4685-be1f-d57550cc96cc" xsi:nil="true"/>
+    <TemplateStatus xmlns="4873beb7-5857-4685-be1f-d57550cc96cc">Complete</TemplateStatus>
+    <InternalTagsTaxHTField0 xmlns="4873beb7-5857-4685-be1f-d57550cc96cc">
+      <Terms xmlns="http://schemas.microsoft.com/office/infopath/2007/PartnerControls"/>
+    </InternalTagsTaxHTField0>
+    <CSXHash xmlns="4873beb7-5857-4685-be1f-d57550cc96cc" xsi:nil="true"/>
+    <Downloads xmlns="4873beb7-5857-4685-be1f-d57550cc96cc">0</Downloads>
+    <VoteCount xmlns="4873beb7-5857-4685-be1f-d57550cc96cc" xsi:nil="true"/>
+    <OOCacheId xmlns="4873beb7-5857-4685-be1f-d57550cc96cc" xsi:nil="true"/>
+    <IsDeleted xmlns="4873beb7-5857-4685-be1f-d57550cc96cc">false</IsDeleted>
+    <AssetExpire xmlns="4873beb7-5857-4685-be1f-d57550cc96cc">2029-01-01T08:00:00+00:00</AssetExpire>
+    <DSATActionTaken xmlns="4873beb7-5857-4685-be1f-d57550cc96cc" xsi:nil="true"/>
+    <CSXSubmissionMarket xmlns="4873beb7-5857-4685-be1f-d57550cc96cc" xsi:nil="true"/>
+    <TPExecutable xmlns="4873beb7-5857-4685-be1f-d57550cc96cc" xsi:nil="true"/>
+    <SubmitterId xmlns="4873beb7-5857-4685-be1f-d57550cc96cc" xsi:nil="true"/>
+    <EditorialTags xmlns="4873beb7-5857-4685-be1f-d57550cc96cc" xsi:nil="true"/>
+    <ApprovalLog xmlns="4873beb7-5857-4685-be1f-d57550cc96cc" xsi:nil="true"/>
+    <AssetType xmlns="4873beb7-5857-4685-be1f-d57550cc96cc">TP</AssetType>
+    <BugNumber xmlns="4873beb7-5857-4685-be1f-d57550cc96cc" xsi:nil="true"/>
+    <CSXSubmissionDate xmlns="4873beb7-5857-4685-be1f-d57550cc96cc" xsi:nil="true"/>
+    <CSXUpdate xmlns="4873beb7-5857-4685-be1f-d57550cc96cc">false</CSXUpdate>
+    <Milestone xmlns="4873beb7-5857-4685-be1f-d57550cc96cc" xsi:nil="true"/>
+    <RecommendationsModifier xmlns="4873beb7-5857-4685-be1f-d57550cc96cc" xsi:nil="true"/>
+    <OriginAsset xmlns="4873beb7-5857-4685-be1f-d57550cc96cc" xsi:nil="true"/>
+    <TPComponent xmlns="4873beb7-5857-4685-be1f-d57550cc96cc" xsi:nil="true"/>
+    <AssetId xmlns="4873beb7-5857-4685-be1f-d57550cc96cc">TP102901017</AssetId>
+    <IntlLocPriority xmlns="4873beb7-5857-4685-be1f-d57550cc96cc" xsi:nil="true"/>
+    <PolicheckWords xmlns="4873beb7-5857-4685-be1f-d57550cc96cc" xsi:nil="true"/>
+    <TPLaunchHelpLink xmlns="4873beb7-5857-4685-be1f-d57550cc96cc" xsi:nil="true"/>
+    <TPApplication xmlns="4873beb7-5857-4685-be1f-d57550cc96cc" xsi:nil="true"/>
+    <CrawlForDependencies xmlns="4873beb7-5857-4685-be1f-d57550cc96cc">false</CrawlForDependencies>
+    <HandoffToMSDN xmlns="4873beb7-5857-4685-be1f-d57550cc96cc" xsi:nil="true"/>
+    <PlannedPubDate xmlns="4873beb7-5857-4685-be1f-d57550cc96cc" xsi:nil="true"/>
+    <IntlLangReviewer xmlns="4873beb7-5857-4685-be1f-d57550cc96cc" xsi:nil="true"/>
+    <TrustLevel xmlns="4873beb7-5857-4685-be1f-d57550cc96cc">1 Microsoft Managed Content</TrustLevel>
+    <LocLastLocAttemptVersionLookup xmlns="4873beb7-5857-4685-be1f-d57550cc96cc">836753</LocLastLocAttemptVersionLookup>
+    <IsSearchable xmlns="4873beb7-5857-4685-be1f-d57550cc96cc">true</IsSearchable>
+    <TemplateTemplateType xmlns="4873beb7-5857-4685-be1f-d57550cc96cc">PowerPoint Design Template</TemplateTemplateType>
+    <CampaignTagsTaxHTField0 xmlns="4873beb7-5857-4685-be1f-d57550cc96cc">
+      <Terms xmlns="http://schemas.microsoft.com/office/infopath/2007/PartnerControls"/>
+    </CampaignTagsTaxHTField0>
+    <TPNamespace xmlns="4873beb7-5857-4685-be1f-d57550cc96cc" xsi:nil="true"/>
+    <TaxCatchAll xmlns="4873beb7-5857-4685-be1f-d57550cc96cc"/>
+    <Markets xmlns="4873beb7-5857-4685-be1f-d57550cc96cc"/>
+    <UAProjectedTotalWords xmlns="4873beb7-5857-4685-be1f-d57550cc96cc" xsi:nil="true"/>
+    <IntlLangReview xmlns="4873beb7-5857-4685-be1f-d57550cc96cc">false</IntlLangReview>
+    <OutputCachingOn xmlns="4873beb7-5857-4685-be1f-d57550cc96cc">false</OutputCachingOn>
+    <AverageRating xmlns="4873beb7-5857-4685-be1f-d57550cc96cc" xsi:nil="true"/>
+    <APAuthor xmlns="4873beb7-5857-4685-be1f-d57550cc96cc">
+      <UserInfo>
+        <DisplayName>REDMOND\v-anij</DisplayName>
+        <AccountId>2469</AccountId>
+        <AccountType/>
+      </UserInfo>
+    </APAuthor>
+    <LocManualTestRequired xmlns="4873beb7-5857-4685-be1f-d57550cc96cc">false</LocManualTestRequired>
+    <TPCommandLine xmlns="4873beb7-5857-4685-be1f-d57550cc96cc" xsi:nil="true"/>
+    <TPAppVersion xmlns="4873beb7-5857-4685-be1f-d57550cc96cc" xsi:nil="true"/>
+    <EditorialStatus xmlns="4873beb7-5857-4685-be1f-d57550cc96cc">Complete</EditorialStatus>
+    <LastModifiedDateTime xmlns="4873beb7-5857-4685-be1f-d57550cc96cc" xsi:nil="true"/>
+    <ScenarioTagsTaxHTField0 xmlns="4873beb7-5857-4685-be1f-d57550cc96cc">
+      <Terms xmlns="http://schemas.microsoft.com/office/infopath/2007/PartnerControls"/>
+    </ScenarioTagsTaxHTField0>
+    <OriginalRelease xmlns="4873beb7-5857-4685-be1f-d57550cc96cc">15</OriginalRelease>
+    <TPLaunchHelpLinkType xmlns="4873beb7-5857-4685-be1f-d57550cc96cc">Template</TPLaunchHelpLinkType>
+    <LocalizationTagsTaxHTField0 xmlns="4873beb7-5857-4685-be1f-d57550cc96cc">
+      <Terms xmlns="http://schemas.microsoft.com/office/infopath/2007/PartnerControls"/>
+    </LocalizationTagsTaxHTField0>
+    <LocMarketGroupTiers2 xmlns="4873beb7-5857-4685-be1f-d57550cc96cc" xsi:nil="true"/>
+  </documentManagement>
+</p:properties>
+</file>
+
 <file path=customXml/item3.xml><?xml version="1.0" encoding="utf-8"?>
 <?mso-contentType ?>
 <FormTemplates xmlns="http://schemas.microsoft.com/sharepoint/v3/contenttype/forms">
@@ -9230,22 +9230,6 @@
 </file>
 
 <file path=customXml/itemProps1.xml><?xml version="1.0" encoding="utf-8"?>
-<ds:datastoreItem xmlns:ds="http://schemas.openxmlformats.org/officeDocument/2006/customXml" ds:itemID="{04098515-0C12-46CF-BC7C-69B4A13CD5FA}">
-  <ds:schemaRefs>
-    <ds:schemaRef ds:uri="http://purl.org/dc/terms/"/>
-    <ds:schemaRef ds:uri="4873beb7-5857-4685-be1f-d57550cc96cc"/>
-    <ds:schemaRef ds:uri="http://schemas.microsoft.com/office/2006/documentManagement/types"/>
-    <ds:schemaRef ds:uri="http://schemas.microsoft.com/office/2006/metadata/properties"/>
-    <ds:schemaRef ds:uri="http://schemas.microsoft.com/office/infopath/2007/PartnerControls"/>
-    <ds:schemaRef ds:uri="http://purl.org/dc/elements/1.1/"/>
-    <ds:schemaRef ds:uri="http://schemas.openxmlformats.org/package/2006/metadata/core-properties"/>
-    <ds:schemaRef ds:uri="http://www.w3.org/XML/1998/namespace"/>
-    <ds:schemaRef ds:uri="http://purl.org/dc/dcmitype/"/>
-  </ds:schemaRefs>
-</ds:datastoreItem>
-</file>
-
-<file path=customXml/itemProps2.xml><?xml version="1.0" encoding="utf-8"?>
 <ds:datastoreItem xmlns:ds="http://schemas.openxmlformats.org/officeDocument/2006/customXml" ds:itemID="{0B5C6E15-39DC-470B-9445-F754B9458020}">
   <ds:schemaRefs>
     <ds:schemaRef ds:uri="http://schemas.microsoft.com/office/2006/metadata/contentType"/>
@@ -9263,6 +9247,22 @@
 </ds:datastoreItem>
 </file>
 
+<file path=customXml/itemProps2.xml><?xml version="1.0" encoding="utf-8"?>
+<ds:datastoreItem xmlns:ds="http://schemas.openxmlformats.org/officeDocument/2006/customXml" ds:itemID="{04098515-0C12-46CF-BC7C-69B4A13CD5FA}">
+  <ds:schemaRefs>
+    <ds:schemaRef ds:uri="http://purl.org/dc/terms/"/>
+    <ds:schemaRef ds:uri="4873beb7-5857-4685-be1f-d57550cc96cc"/>
+    <ds:schemaRef ds:uri="http://schemas.microsoft.com/office/2006/documentManagement/types"/>
+    <ds:schemaRef ds:uri="http://schemas.microsoft.com/office/2006/metadata/properties"/>
+    <ds:schemaRef ds:uri="http://schemas.microsoft.com/office/infopath/2007/PartnerControls"/>
+    <ds:schemaRef ds:uri="http://purl.org/dc/elements/1.1/"/>
+    <ds:schemaRef ds:uri="http://schemas.openxmlformats.org/package/2006/metadata/core-properties"/>
+    <ds:schemaRef ds:uri="http://www.w3.org/XML/1998/namespace"/>
+    <ds:schemaRef ds:uri="http://purl.org/dc/dcmitype/"/>
+  </ds:schemaRefs>
+</ds:datastoreItem>
+</file>
+
 <file path=customXml/itemProps3.xml><?xml version="1.0" encoding="utf-8"?>
 <ds:datastoreItem xmlns:ds="http://schemas.openxmlformats.org/officeDocument/2006/customXml" ds:itemID="{746CFF6F-D9AA-4BC0-911A-0A1356771912}">
   <ds:schemaRefs>
